--- a/OOKTRx_slides.pptx
+++ b/OOKTRx_slides.pptx
@@ -9,6 +9,7 @@
     <p:sldId id="259" r:id="rId3"/>
     <p:sldId id="257" r:id="rId4"/>
     <p:sldId id="258" r:id="rId5"/>
+    <p:sldId id="260" r:id="rId6"/>
   </p:sldIdLst>
   <p:sldSz cx="12192000" cy="6858000"/>
   <p:notesSz cx="6858000" cy="9144000"/>
@@ -262,7 +263,7 @@
           <a:p>
             <a:fld id="{5E16051A-C47B-44A4-BA5C-F905A8DCECB5}" type="datetimeFigureOut">
               <a:rPr lang="en-US" smtClean="0"/>
-              <a:t>7/6/2018</a:t>
+              <a:t>7/9/2018</a:t>
             </a:fld>
             <a:endParaRPr lang="en-US"/>
           </a:p>
@@ -460,7 +461,7 @@
           <a:p>
             <a:fld id="{5E16051A-C47B-44A4-BA5C-F905A8DCECB5}" type="datetimeFigureOut">
               <a:rPr lang="en-US" smtClean="0"/>
-              <a:t>7/6/2018</a:t>
+              <a:t>7/9/2018</a:t>
             </a:fld>
             <a:endParaRPr lang="en-US"/>
           </a:p>
@@ -668,7 +669,7 @@
           <a:p>
             <a:fld id="{5E16051A-C47B-44A4-BA5C-F905A8DCECB5}" type="datetimeFigureOut">
               <a:rPr lang="en-US" smtClean="0"/>
-              <a:t>7/6/2018</a:t>
+              <a:t>7/9/2018</a:t>
             </a:fld>
             <a:endParaRPr lang="en-US"/>
           </a:p>
@@ -866,7 +867,7 @@
           <a:p>
             <a:fld id="{5E16051A-C47B-44A4-BA5C-F905A8DCECB5}" type="datetimeFigureOut">
               <a:rPr lang="en-US" smtClean="0"/>
-              <a:t>7/6/2018</a:t>
+              <a:t>7/9/2018</a:t>
             </a:fld>
             <a:endParaRPr lang="en-US"/>
           </a:p>
@@ -1141,7 +1142,7 @@
           <a:p>
             <a:fld id="{5E16051A-C47B-44A4-BA5C-F905A8DCECB5}" type="datetimeFigureOut">
               <a:rPr lang="en-US" smtClean="0"/>
-              <a:t>7/6/2018</a:t>
+              <a:t>7/9/2018</a:t>
             </a:fld>
             <a:endParaRPr lang="en-US"/>
           </a:p>
@@ -1406,7 +1407,7 @@
           <a:p>
             <a:fld id="{5E16051A-C47B-44A4-BA5C-F905A8DCECB5}" type="datetimeFigureOut">
               <a:rPr lang="en-US" smtClean="0"/>
-              <a:t>7/6/2018</a:t>
+              <a:t>7/9/2018</a:t>
             </a:fld>
             <a:endParaRPr lang="en-US"/>
           </a:p>
@@ -1818,7 +1819,7 @@
           <a:p>
             <a:fld id="{5E16051A-C47B-44A4-BA5C-F905A8DCECB5}" type="datetimeFigureOut">
               <a:rPr lang="en-US" smtClean="0"/>
-              <a:t>7/6/2018</a:t>
+              <a:t>7/9/2018</a:t>
             </a:fld>
             <a:endParaRPr lang="en-US"/>
           </a:p>
@@ -1959,7 +1960,7 @@
           <a:p>
             <a:fld id="{5E16051A-C47B-44A4-BA5C-F905A8DCECB5}" type="datetimeFigureOut">
               <a:rPr lang="en-US" smtClean="0"/>
-              <a:t>7/6/2018</a:t>
+              <a:t>7/9/2018</a:t>
             </a:fld>
             <a:endParaRPr lang="en-US"/>
           </a:p>
@@ -2072,7 +2073,7 @@
           <a:p>
             <a:fld id="{5E16051A-C47B-44A4-BA5C-F905A8DCECB5}" type="datetimeFigureOut">
               <a:rPr lang="en-US" smtClean="0"/>
-              <a:t>7/6/2018</a:t>
+              <a:t>7/9/2018</a:t>
             </a:fld>
             <a:endParaRPr lang="en-US"/>
           </a:p>
@@ -2383,7 +2384,7 @@
           <a:p>
             <a:fld id="{5E16051A-C47B-44A4-BA5C-F905A8DCECB5}" type="datetimeFigureOut">
               <a:rPr lang="en-US" smtClean="0"/>
-              <a:t>7/6/2018</a:t>
+              <a:t>7/9/2018</a:t>
             </a:fld>
             <a:endParaRPr lang="en-US"/>
           </a:p>
@@ -2671,7 +2672,7 @@
           <a:p>
             <a:fld id="{5E16051A-C47B-44A4-BA5C-F905A8DCECB5}" type="datetimeFigureOut">
               <a:rPr lang="en-US" smtClean="0"/>
-              <a:t>7/6/2018</a:t>
+              <a:t>7/9/2018</a:t>
             </a:fld>
             <a:endParaRPr lang="en-US"/>
           </a:p>
@@ -2912,7 +2913,7 @@
           <a:p>
             <a:fld id="{5E16051A-C47B-44A4-BA5C-F905A8DCECB5}" type="datetimeFigureOut">
               <a:rPr lang="en-US" smtClean="0"/>
-              <a:t>7/6/2018</a:t>
+              <a:t>7/9/2018</a:t>
             </a:fld>
             <a:endParaRPr lang="en-US"/>
           </a:p>
@@ -10531,6 +10532,1419 @@
 </p:sld>
 </file>
 
+<file path=ppt/slides/slide5.xml><?xml version="1.0" encoding="utf-8"?>
+<p:sld xmlns:a="http://schemas.openxmlformats.org/drawingml/2006/main" xmlns:r="http://schemas.openxmlformats.org/officeDocument/2006/relationships" xmlns:p="http://schemas.openxmlformats.org/presentationml/2006/main">
+  <p:cSld>
+    <p:spTree>
+      <p:nvGrpSpPr>
+        <p:cNvPr id="1" name=""/>
+        <p:cNvGrpSpPr/>
+        <p:nvPr/>
+      </p:nvGrpSpPr>
+      <p:grpSpPr>
+        <a:xfrm>
+          <a:off x="0" y="0"/>
+          <a:ext cx="0" cy="0"/>
+          <a:chOff x="0" y="0"/>
+          <a:chExt cx="0" cy="0"/>
+        </a:xfrm>
+      </p:grpSpPr>
+      <p:sp>
+        <p:nvSpPr>
+          <p:cNvPr id="4" name="Rectangle 3">
+            <a:extLst>
+              <a:ext uri="{FF2B5EF4-FFF2-40B4-BE49-F238E27FC236}">
+                <a16:creationId xmlns:a16="http://schemas.microsoft.com/office/drawing/2014/main" id="{4AA68253-FB68-4BDB-BA60-166224CF4DAD}"/>
+              </a:ext>
+            </a:extLst>
+          </p:cNvPr>
+          <p:cNvSpPr/>
+          <p:nvPr/>
+        </p:nvSpPr>
+        <p:spPr>
+          <a:xfrm>
+            <a:off x="2865872" y="2216285"/>
+            <a:ext cx="1894621" cy="2939143"/>
+          </a:xfrm>
+          <a:prstGeom prst="rect">
+            <a:avLst/>
+          </a:prstGeom>
+          <a:solidFill>
+            <a:schemeClr val="accent6">
+              <a:lumMod val="75000"/>
+            </a:schemeClr>
+          </a:solidFill>
+        </p:spPr>
+        <p:style>
+          <a:lnRef idx="2">
+            <a:schemeClr val="accent1">
+              <a:shade val="50000"/>
+            </a:schemeClr>
+          </a:lnRef>
+          <a:fillRef idx="1">
+            <a:schemeClr val="accent1"/>
+          </a:fillRef>
+          <a:effectRef idx="0">
+            <a:schemeClr val="accent1"/>
+          </a:effectRef>
+          <a:fontRef idx="minor">
+            <a:schemeClr val="lt1"/>
+          </a:fontRef>
+        </p:style>
+        <p:txBody>
+          <a:bodyPr rtlCol="0" anchor="ctr"/>
+          <a:lstStyle/>
+          <a:p>
+            <a:pPr algn="ctr"/>
+            <a:r>
+              <a:rPr lang="en-US" dirty="0" err="1"/>
+              <a:t>TxControl</a:t>
+            </a:r>
+            <a:endParaRPr lang="en-US" dirty="0"/>
+          </a:p>
+        </p:txBody>
+      </p:sp>
+      <p:sp>
+        <p:nvSpPr>
+          <p:cNvPr id="28" name="Rectangle 27">
+            <a:extLst>
+              <a:ext uri="{FF2B5EF4-FFF2-40B4-BE49-F238E27FC236}">
+                <a16:creationId xmlns:a16="http://schemas.microsoft.com/office/drawing/2014/main" id="{D323CABD-DBD5-4614-86D8-88015F09242C}"/>
+              </a:ext>
+            </a:extLst>
+          </p:cNvPr>
+          <p:cNvSpPr/>
+          <p:nvPr/>
+        </p:nvSpPr>
+        <p:spPr>
+          <a:xfrm>
+            <a:off x="2184917" y="1860327"/>
+            <a:ext cx="8377334" cy="3576131"/>
+          </a:xfrm>
+          <a:prstGeom prst="rect">
+            <a:avLst/>
+          </a:prstGeom>
+          <a:noFill/>
+          <a:ln w="28575">
+            <a:solidFill>
+              <a:schemeClr val="accent2">
+                <a:lumMod val="75000"/>
+              </a:schemeClr>
+            </a:solidFill>
+            <a:prstDash val="dash"/>
+          </a:ln>
+        </p:spPr>
+        <p:style>
+          <a:lnRef idx="2">
+            <a:schemeClr val="accent1">
+              <a:shade val="50000"/>
+            </a:schemeClr>
+          </a:lnRef>
+          <a:fillRef idx="1">
+            <a:schemeClr val="accent1"/>
+          </a:fillRef>
+          <a:effectRef idx="0">
+            <a:schemeClr val="accent1"/>
+          </a:effectRef>
+          <a:fontRef idx="minor">
+            <a:schemeClr val="lt1"/>
+          </a:fontRef>
+        </p:style>
+        <p:txBody>
+          <a:bodyPr rtlCol="0" anchor="ctr"/>
+          <a:lstStyle/>
+          <a:p>
+            <a:pPr algn="ctr"/>
+            <a:endParaRPr lang="en-US"/>
+          </a:p>
+        </p:txBody>
+      </p:sp>
+      <p:cxnSp>
+        <p:nvCxnSpPr>
+          <p:cNvPr id="43" name="Straight Arrow Connector 42">
+            <a:extLst>
+              <a:ext uri="{FF2B5EF4-FFF2-40B4-BE49-F238E27FC236}">
+                <a16:creationId xmlns:a16="http://schemas.microsoft.com/office/drawing/2014/main" id="{2AEBBD8E-5707-40DC-B9E7-E74C9C1866D7}"/>
+              </a:ext>
+            </a:extLst>
+          </p:cNvPr>
+          <p:cNvCxnSpPr>
+            <a:cxnSpLocks/>
+            <a:stCxn id="4" idx="3"/>
+            <a:endCxn id="103" idx="1"/>
+          </p:cNvCxnSpPr>
+          <p:nvPr/>
+        </p:nvCxnSpPr>
+        <p:spPr>
+          <a:xfrm flipV="1">
+            <a:off x="4760493" y="3685856"/>
+            <a:ext cx="811589" cy="1"/>
+          </a:xfrm>
+          <a:prstGeom prst="straightConnector1">
+            <a:avLst/>
+          </a:prstGeom>
+          <a:ln w="28575">
+            <a:headEnd type="none" w="med" len="med"/>
+            <a:tailEnd type="arrow" w="med" len="med"/>
+          </a:ln>
+        </p:spPr>
+        <p:style>
+          <a:lnRef idx="1">
+            <a:schemeClr val="accent1"/>
+          </a:lnRef>
+          <a:fillRef idx="0">
+            <a:schemeClr val="accent1"/>
+          </a:fillRef>
+          <a:effectRef idx="0">
+            <a:schemeClr val="accent1"/>
+          </a:effectRef>
+          <a:fontRef idx="minor">
+            <a:schemeClr val="tx1"/>
+          </a:fontRef>
+        </p:style>
+      </p:cxnSp>
+      <p:sp>
+        <p:nvSpPr>
+          <p:cNvPr id="47" name="TextBox 46">
+            <a:extLst>
+              <a:ext uri="{FF2B5EF4-FFF2-40B4-BE49-F238E27FC236}">
+                <a16:creationId xmlns:a16="http://schemas.microsoft.com/office/drawing/2014/main" id="{B739922E-C6F8-44B1-9C01-4B4892C24302}"/>
+              </a:ext>
+            </a:extLst>
+          </p:cNvPr>
+          <p:cNvSpPr txBox="1"/>
+          <p:nvPr/>
+        </p:nvSpPr>
+        <p:spPr>
+          <a:xfrm>
+            <a:off x="4619750" y="3320682"/>
+            <a:ext cx="1009203" cy="369332"/>
+          </a:xfrm>
+          <a:prstGeom prst="rect">
+            <a:avLst/>
+          </a:prstGeom>
+          <a:noFill/>
+        </p:spPr>
+        <p:txBody>
+          <a:bodyPr wrap="square" rtlCol="0">
+            <a:spAutoFit/>
+          </a:bodyPr>
+          <a:lstStyle/>
+          <a:p>
+            <a:pPr algn="ctr"/>
+            <a:r>
+              <a:rPr lang="en-US" dirty="0"/>
+              <a:t>1-bit</a:t>
+            </a:r>
+          </a:p>
+        </p:txBody>
+      </p:sp>
+      <p:sp>
+        <p:nvSpPr>
+          <p:cNvPr id="44" name="Rectangle 43">
+            <a:extLst>
+              <a:ext uri="{FF2B5EF4-FFF2-40B4-BE49-F238E27FC236}">
+                <a16:creationId xmlns:a16="http://schemas.microsoft.com/office/drawing/2014/main" id="{7CA18F02-6E07-407D-AA77-B205BCC300D4}"/>
+              </a:ext>
+            </a:extLst>
+          </p:cNvPr>
+          <p:cNvSpPr/>
+          <p:nvPr/>
+        </p:nvSpPr>
+        <p:spPr>
+          <a:xfrm>
+            <a:off x="7953755" y="2216285"/>
+            <a:ext cx="1894621" cy="2939143"/>
+          </a:xfrm>
+          <a:prstGeom prst="rect">
+            <a:avLst/>
+          </a:prstGeom>
+          <a:solidFill>
+            <a:schemeClr val="accent6">
+              <a:lumMod val="75000"/>
+            </a:schemeClr>
+          </a:solidFill>
+        </p:spPr>
+        <p:style>
+          <a:lnRef idx="2">
+            <a:schemeClr val="accent1">
+              <a:shade val="50000"/>
+            </a:schemeClr>
+          </a:lnRef>
+          <a:fillRef idx="1">
+            <a:schemeClr val="accent1"/>
+          </a:fillRef>
+          <a:effectRef idx="0">
+            <a:schemeClr val="accent1"/>
+          </a:effectRef>
+          <a:fontRef idx="minor">
+            <a:schemeClr val="lt1"/>
+          </a:fontRef>
+        </p:style>
+        <p:txBody>
+          <a:bodyPr rtlCol="0" anchor="ctr"/>
+          <a:lstStyle/>
+          <a:p>
+            <a:pPr algn="ctr"/>
+            <a:r>
+              <a:rPr lang="en-US" dirty="0" err="1"/>
+              <a:t>RxControl</a:t>
+            </a:r>
+            <a:endParaRPr lang="en-US" dirty="0"/>
+          </a:p>
+        </p:txBody>
+      </p:sp>
+      <p:cxnSp>
+        <p:nvCxnSpPr>
+          <p:cNvPr id="51" name="Straight Arrow Connector 50">
+            <a:extLst>
+              <a:ext uri="{FF2B5EF4-FFF2-40B4-BE49-F238E27FC236}">
+                <a16:creationId xmlns:a16="http://schemas.microsoft.com/office/drawing/2014/main" id="{5B3A661B-E154-41C7-A18A-547657B31062}"/>
+              </a:ext>
+            </a:extLst>
+          </p:cNvPr>
+          <p:cNvCxnSpPr>
+            <a:cxnSpLocks/>
+          </p:cNvCxnSpPr>
+          <p:nvPr/>
+        </p:nvCxnSpPr>
+        <p:spPr>
+          <a:xfrm>
+            <a:off x="1190016" y="2890272"/>
+            <a:ext cx="1675856" cy="0"/>
+          </a:xfrm>
+          <a:prstGeom prst="straightConnector1">
+            <a:avLst/>
+          </a:prstGeom>
+          <a:ln w="28575">
+            <a:headEnd type="none" w="med" len="med"/>
+            <a:tailEnd type="arrow" w="med" len="med"/>
+          </a:ln>
+        </p:spPr>
+        <p:style>
+          <a:lnRef idx="1">
+            <a:schemeClr val="accent1"/>
+          </a:lnRef>
+          <a:fillRef idx="0">
+            <a:schemeClr val="accent1"/>
+          </a:fillRef>
+          <a:effectRef idx="0">
+            <a:schemeClr val="accent1"/>
+          </a:effectRef>
+          <a:fontRef idx="minor">
+            <a:schemeClr val="tx1"/>
+          </a:fontRef>
+        </p:style>
+      </p:cxnSp>
+      <p:cxnSp>
+        <p:nvCxnSpPr>
+          <p:cNvPr id="52" name="Straight Connector 51">
+            <a:extLst>
+              <a:ext uri="{FF2B5EF4-FFF2-40B4-BE49-F238E27FC236}">
+                <a16:creationId xmlns:a16="http://schemas.microsoft.com/office/drawing/2014/main" id="{83A85B9D-FA67-4B3D-B5BD-682B67633DFF}"/>
+              </a:ext>
+            </a:extLst>
+          </p:cNvPr>
+          <p:cNvCxnSpPr>
+            <a:cxnSpLocks/>
+          </p:cNvCxnSpPr>
+          <p:nvPr/>
+        </p:nvCxnSpPr>
+        <p:spPr>
+          <a:xfrm>
+            <a:off x="1573944" y="2717207"/>
+            <a:ext cx="227045" cy="324625"/>
+          </a:xfrm>
+          <a:prstGeom prst="line">
+            <a:avLst/>
+          </a:prstGeom>
+          <a:ln w="28575"/>
+        </p:spPr>
+        <p:style>
+          <a:lnRef idx="1">
+            <a:schemeClr val="accent1"/>
+          </a:lnRef>
+          <a:fillRef idx="0">
+            <a:schemeClr val="accent1"/>
+          </a:fillRef>
+          <a:effectRef idx="0">
+            <a:schemeClr val="accent1"/>
+          </a:effectRef>
+          <a:fontRef idx="minor">
+            <a:schemeClr val="tx1"/>
+          </a:fontRef>
+        </p:style>
+      </p:cxnSp>
+      <p:sp>
+        <p:nvSpPr>
+          <p:cNvPr id="53" name="TextBox 52">
+            <a:extLst>
+              <a:ext uri="{FF2B5EF4-FFF2-40B4-BE49-F238E27FC236}">
+                <a16:creationId xmlns:a16="http://schemas.microsoft.com/office/drawing/2014/main" id="{6E35B6FF-4D8C-4C07-8B03-1B459D4CA4E2}"/>
+              </a:ext>
+            </a:extLst>
+          </p:cNvPr>
+          <p:cNvSpPr txBox="1"/>
+          <p:nvPr/>
+        </p:nvSpPr>
+        <p:spPr>
+          <a:xfrm>
+            <a:off x="1206364" y="2879520"/>
+            <a:ext cx="599493" cy="369332"/>
+          </a:xfrm>
+          <a:prstGeom prst="rect">
+            <a:avLst/>
+          </a:prstGeom>
+          <a:noFill/>
+        </p:spPr>
+        <p:txBody>
+          <a:bodyPr wrap="square" rtlCol="0">
+            <a:spAutoFit/>
+          </a:bodyPr>
+          <a:lstStyle/>
+          <a:p>
+            <a:pPr algn="ctr"/>
+            <a:r>
+              <a:rPr lang="en-US" dirty="0" err="1"/>
+              <a:t>b+c</a:t>
+            </a:r>
+            <a:endParaRPr lang="en-US" dirty="0"/>
+          </a:p>
+        </p:txBody>
+      </p:sp>
+      <p:cxnSp>
+        <p:nvCxnSpPr>
+          <p:cNvPr id="54" name="Straight Arrow Connector 53">
+            <a:extLst>
+              <a:ext uri="{FF2B5EF4-FFF2-40B4-BE49-F238E27FC236}">
+                <a16:creationId xmlns:a16="http://schemas.microsoft.com/office/drawing/2014/main" id="{F49C98AA-028F-46C1-9CEB-C59C6F9A5E3C}"/>
+              </a:ext>
+            </a:extLst>
+          </p:cNvPr>
+          <p:cNvCxnSpPr>
+            <a:cxnSpLocks/>
+            <a:endCxn id="4" idx="1"/>
+          </p:cNvCxnSpPr>
+          <p:nvPr/>
+        </p:nvCxnSpPr>
+        <p:spPr>
+          <a:xfrm>
+            <a:off x="1190016" y="3684557"/>
+            <a:ext cx="1675856" cy="1300"/>
+          </a:xfrm>
+          <a:prstGeom prst="straightConnector1">
+            <a:avLst/>
+          </a:prstGeom>
+          <a:ln w="28575">
+            <a:headEnd type="none" w="med" len="med"/>
+            <a:tailEnd type="arrow" w="med" len="med"/>
+          </a:ln>
+        </p:spPr>
+        <p:style>
+          <a:lnRef idx="1">
+            <a:schemeClr val="accent1"/>
+          </a:lnRef>
+          <a:fillRef idx="0">
+            <a:schemeClr val="accent1"/>
+          </a:fillRef>
+          <a:effectRef idx="0">
+            <a:schemeClr val="accent1"/>
+          </a:effectRef>
+          <a:fontRef idx="minor">
+            <a:schemeClr val="tx1"/>
+          </a:fontRef>
+        </p:style>
+      </p:cxnSp>
+      <p:sp>
+        <p:nvSpPr>
+          <p:cNvPr id="55" name="TextBox 54">
+            <a:extLst>
+              <a:ext uri="{FF2B5EF4-FFF2-40B4-BE49-F238E27FC236}">
+                <a16:creationId xmlns:a16="http://schemas.microsoft.com/office/drawing/2014/main" id="{EF7BD46F-DECD-4AE6-9138-1594713A56E0}"/>
+              </a:ext>
+            </a:extLst>
+          </p:cNvPr>
+          <p:cNvSpPr txBox="1"/>
+          <p:nvPr/>
+        </p:nvSpPr>
+        <p:spPr>
+          <a:xfrm>
+            <a:off x="182816" y="3320683"/>
+            <a:ext cx="1261180" cy="369332"/>
+          </a:xfrm>
+          <a:prstGeom prst="rect">
+            <a:avLst/>
+          </a:prstGeom>
+          <a:noFill/>
+        </p:spPr>
+        <p:txBody>
+          <a:bodyPr wrap="square" rtlCol="0">
+            <a:spAutoFit/>
+          </a:bodyPr>
+          <a:lstStyle/>
+          <a:p>
+            <a:pPr algn="ctr"/>
+            <a:r>
+              <a:rPr lang="en-US" dirty="0" err="1"/>
+              <a:t>dataValid</a:t>
+            </a:r>
+            <a:endParaRPr lang="en-US" dirty="0"/>
+          </a:p>
+        </p:txBody>
+      </p:sp>
+      <p:cxnSp>
+        <p:nvCxnSpPr>
+          <p:cNvPr id="56" name="Straight Arrow Connector 55">
+            <a:extLst>
+              <a:ext uri="{FF2B5EF4-FFF2-40B4-BE49-F238E27FC236}">
+                <a16:creationId xmlns:a16="http://schemas.microsoft.com/office/drawing/2014/main" id="{D21344F4-A503-4FD2-8117-B487DC2A6A9D}"/>
+              </a:ext>
+            </a:extLst>
+          </p:cNvPr>
+          <p:cNvCxnSpPr>
+            <a:cxnSpLocks/>
+          </p:cNvCxnSpPr>
+          <p:nvPr/>
+        </p:nvCxnSpPr>
+        <p:spPr>
+          <a:xfrm>
+            <a:off x="1190016" y="4480068"/>
+            <a:ext cx="1675856" cy="0"/>
+          </a:xfrm>
+          <a:prstGeom prst="straightConnector1">
+            <a:avLst/>
+          </a:prstGeom>
+          <a:ln w="28575">
+            <a:headEnd type="none" w="med" len="med"/>
+            <a:tailEnd type="arrow" w="med" len="med"/>
+          </a:ln>
+        </p:spPr>
+        <p:style>
+          <a:lnRef idx="1">
+            <a:schemeClr val="accent1"/>
+          </a:lnRef>
+          <a:fillRef idx="0">
+            <a:schemeClr val="accent1"/>
+          </a:fillRef>
+          <a:effectRef idx="0">
+            <a:schemeClr val="accent1"/>
+          </a:effectRef>
+          <a:fontRef idx="minor">
+            <a:schemeClr val="tx1"/>
+          </a:fontRef>
+        </p:style>
+      </p:cxnSp>
+      <p:sp>
+        <p:nvSpPr>
+          <p:cNvPr id="57" name="TextBox 56">
+            <a:extLst>
+              <a:ext uri="{FF2B5EF4-FFF2-40B4-BE49-F238E27FC236}">
+                <a16:creationId xmlns:a16="http://schemas.microsoft.com/office/drawing/2014/main" id="{776F561F-D921-40E5-8E3B-F39CC0A75BAC}"/>
+              </a:ext>
+            </a:extLst>
+          </p:cNvPr>
+          <p:cNvSpPr txBox="1"/>
+          <p:nvPr/>
+        </p:nvSpPr>
+        <p:spPr>
+          <a:xfrm>
+            <a:off x="55590" y="4264297"/>
+            <a:ext cx="1346714" cy="369332"/>
+          </a:xfrm>
+          <a:prstGeom prst="rect">
+            <a:avLst/>
+          </a:prstGeom>
+          <a:noFill/>
+        </p:spPr>
+        <p:txBody>
+          <a:bodyPr wrap="square" rtlCol="0">
+            <a:spAutoFit/>
+          </a:bodyPr>
+          <a:lstStyle/>
+          <a:p>
+            <a:pPr algn="ctr"/>
+            <a:r>
+              <a:rPr lang="en-US" dirty="0" err="1"/>
+              <a:t>TxStart</a:t>
+            </a:r>
+            <a:endParaRPr lang="en-US" dirty="0"/>
+          </a:p>
+        </p:txBody>
+      </p:sp>
+      <p:cxnSp>
+        <p:nvCxnSpPr>
+          <p:cNvPr id="82" name="Straight Arrow Connector 81">
+            <a:extLst>
+              <a:ext uri="{FF2B5EF4-FFF2-40B4-BE49-F238E27FC236}">
+                <a16:creationId xmlns:a16="http://schemas.microsoft.com/office/drawing/2014/main" id="{B6F60A53-156E-424E-B745-7034E83D70C7}"/>
+              </a:ext>
+            </a:extLst>
+          </p:cNvPr>
+          <p:cNvCxnSpPr>
+            <a:cxnSpLocks/>
+          </p:cNvCxnSpPr>
+          <p:nvPr/>
+        </p:nvCxnSpPr>
+        <p:spPr>
+          <a:xfrm>
+            <a:off x="5679905" y="1302184"/>
+            <a:ext cx="0" cy="548900"/>
+          </a:xfrm>
+          <a:prstGeom prst="straightConnector1">
+            <a:avLst/>
+          </a:prstGeom>
+          <a:ln w="28575">
+            <a:headEnd type="none" w="med" len="med"/>
+            <a:tailEnd type="arrow" w="med" len="med"/>
+          </a:ln>
+        </p:spPr>
+        <p:style>
+          <a:lnRef idx="1">
+            <a:schemeClr val="accent1"/>
+          </a:lnRef>
+          <a:fillRef idx="0">
+            <a:schemeClr val="accent1"/>
+          </a:fillRef>
+          <a:effectRef idx="0">
+            <a:schemeClr val="accent1"/>
+          </a:effectRef>
+          <a:fontRef idx="minor">
+            <a:schemeClr val="tx1"/>
+          </a:fontRef>
+        </p:style>
+      </p:cxnSp>
+      <p:sp>
+        <p:nvSpPr>
+          <p:cNvPr id="83" name="TextBox 82">
+            <a:extLst>
+              <a:ext uri="{FF2B5EF4-FFF2-40B4-BE49-F238E27FC236}">
+                <a16:creationId xmlns:a16="http://schemas.microsoft.com/office/drawing/2014/main" id="{4ED1B239-C525-483E-BC67-B5D30FECFA93}"/>
+              </a:ext>
+            </a:extLst>
+          </p:cNvPr>
+          <p:cNvSpPr txBox="1"/>
+          <p:nvPr/>
+        </p:nvSpPr>
+        <p:spPr>
+          <a:xfrm>
+            <a:off x="4951211" y="999576"/>
+            <a:ext cx="1147669" cy="369332"/>
+          </a:xfrm>
+          <a:prstGeom prst="rect">
+            <a:avLst/>
+          </a:prstGeom>
+          <a:noFill/>
+        </p:spPr>
+        <p:txBody>
+          <a:bodyPr wrap="square" rtlCol="0">
+            <a:spAutoFit/>
+          </a:bodyPr>
+          <a:lstStyle/>
+          <a:p>
+            <a:pPr algn="ctr"/>
+            <a:r>
+              <a:rPr lang="en-US" dirty="0" err="1"/>
+              <a:t>frameBits</a:t>
+            </a:r>
+            <a:endParaRPr lang="en-US" dirty="0"/>
+          </a:p>
+        </p:txBody>
+      </p:sp>
+      <p:cxnSp>
+        <p:nvCxnSpPr>
+          <p:cNvPr id="84" name="Straight Connector 83">
+            <a:extLst>
+              <a:ext uri="{FF2B5EF4-FFF2-40B4-BE49-F238E27FC236}">
+                <a16:creationId xmlns:a16="http://schemas.microsoft.com/office/drawing/2014/main" id="{C86CA429-C1C7-484C-BD82-C5887138DBA6}"/>
+              </a:ext>
+            </a:extLst>
+          </p:cNvPr>
+          <p:cNvCxnSpPr>
+            <a:cxnSpLocks/>
+          </p:cNvCxnSpPr>
+          <p:nvPr/>
+        </p:nvCxnSpPr>
+        <p:spPr>
+          <a:xfrm>
+            <a:off x="5588840" y="1375365"/>
+            <a:ext cx="227045" cy="324625"/>
+          </a:xfrm>
+          <a:prstGeom prst="line">
+            <a:avLst/>
+          </a:prstGeom>
+          <a:ln w="28575"/>
+        </p:spPr>
+        <p:style>
+          <a:lnRef idx="1">
+            <a:schemeClr val="accent1"/>
+          </a:lnRef>
+          <a:fillRef idx="0">
+            <a:schemeClr val="accent1"/>
+          </a:fillRef>
+          <a:effectRef idx="0">
+            <a:schemeClr val="accent1"/>
+          </a:effectRef>
+          <a:fontRef idx="minor">
+            <a:schemeClr val="tx1"/>
+          </a:fontRef>
+        </p:style>
+      </p:cxnSp>
+      <p:sp>
+        <p:nvSpPr>
+          <p:cNvPr id="85" name="TextBox 84">
+            <a:extLst>
+              <a:ext uri="{FF2B5EF4-FFF2-40B4-BE49-F238E27FC236}">
+                <a16:creationId xmlns:a16="http://schemas.microsoft.com/office/drawing/2014/main" id="{3F2BEA68-4095-4493-BEE3-20BEF2723911}"/>
+              </a:ext>
+            </a:extLst>
+          </p:cNvPr>
+          <p:cNvSpPr txBox="1"/>
+          <p:nvPr/>
+        </p:nvSpPr>
+        <p:spPr>
+          <a:xfrm>
+            <a:off x="5551708" y="1284548"/>
+            <a:ext cx="575853" cy="369332"/>
+          </a:xfrm>
+          <a:prstGeom prst="rect">
+            <a:avLst/>
+          </a:prstGeom>
+          <a:noFill/>
+        </p:spPr>
+        <p:txBody>
+          <a:bodyPr wrap="square" rtlCol="0">
+            <a:spAutoFit/>
+          </a:bodyPr>
+          <a:lstStyle/>
+          <a:p>
+            <a:pPr algn="ctr"/>
+            <a:r>
+              <a:rPr lang="en-US" dirty="0"/>
+              <a:t>a</a:t>
+            </a:r>
+          </a:p>
+        </p:txBody>
+      </p:sp>
+      <p:cxnSp>
+        <p:nvCxnSpPr>
+          <p:cNvPr id="86" name="Straight Arrow Connector 85">
+            <a:extLst>
+              <a:ext uri="{FF2B5EF4-FFF2-40B4-BE49-F238E27FC236}">
+                <a16:creationId xmlns:a16="http://schemas.microsoft.com/office/drawing/2014/main" id="{3E323A73-D1F3-4A0E-84F6-7E04A297ED22}"/>
+              </a:ext>
+            </a:extLst>
+          </p:cNvPr>
+          <p:cNvCxnSpPr>
+            <a:cxnSpLocks/>
+          </p:cNvCxnSpPr>
+          <p:nvPr/>
+        </p:nvCxnSpPr>
+        <p:spPr>
+          <a:xfrm>
+            <a:off x="6913712" y="1314465"/>
+            <a:ext cx="0" cy="548900"/>
+          </a:xfrm>
+          <a:prstGeom prst="straightConnector1">
+            <a:avLst/>
+          </a:prstGeom>
+          <a:ln w="28575">
+            <a:headEnd type="none" w="med" len="med"/>
+            <a:tailEnd type="arrow" w="med" len="med"/>
+          </a:ln>
+        </p:spPr>
+        <p:style>
+          <a:lnRef idx="1">
+            <a:schemeClr val="accent1"/>
+          </a:lnRef>
+          <a:fillRef idx="0">
+            <a:schemeClr val="accent1"/>
+          </a:fillRef>
+          <a:effectRef idx="0">
+            <a:schemeClr val="accent1"/>
+          </a:effectRef>
+          <a:fontRef idx="minor">
+            <a:schemeClr val="tx1"/>
+          </a:fontRef>
+        </p:style>
+      </p:cxnSp>
+      <p:sp>
+        <p:nvSpPr>
+          <p:cNvPr id="87" name="TextBox 86">
+            <a:extLst>
+              <a:ext uri="{FF2B5EF4-FFF2-40B4-BE49-F238E27FC236}">
+                <a16:creationId xmlns:a16="http://schemas.microsoft.com/office/drawing/2014/main" id="{5A0E0359-45A7-4E4F-94A9-4E2A1BBA40B9}"/>
+              </a:ext>
+            </a:extLst>
+          </p:cNvPr>
+          <p:cNvSpPr txBox="1"/>
+          <p:nvPr/>
+        </p:nvSpPr>
+        <p:spPr>
+          <a:xfrm>
+            <a:off x="6572925" y="992257"/>
+            <a:ext cx="1348614" cy="369332"/>
+          </a:xfrm>
+          <a:prstGeom prst="rect">
+            <a:avLst/>
+          </a:prstGeom>
+          <a:noFill/>
+        </p:spPr>
+        <p:txBody>
+          <a:bodyPr wrap="square" rtlCol="0">
+            <a:spAutoFit/>
+          </a:bodyPr>
+          <a:lstStyle/>
+          <a:p>
+            <a:pPr algn="ctr"/>
+            <a:r>
+              <a:rPr lang="en-US" dirty="0" err="1"/>
+              <a:t>frameIndex</a:t>
+            </a:r>
+            <a:endParaRPr lang="en-US" dirty="0"/>
+          </a:p>
+        </p:txBody>
+      </p:sp>
+      <p:cxnSp>
+        <p:nvCxnSpPr>
+          <p:cNvPr id="88" name="Straight Connector 87">
+            <a:extLst>
+              <a:ext uri="{FF2B5EF4-FFF2-40B4-BE49-F238E27FC236}">
+                <a16:creationId xmlns:a16="http://schemas.microsoft.com/office/drawing/2014/main" id="{BDA3A4A5-14AD-4973-8FBB-5C64882FB7F8}"/>
+              </a:ext>
+            </a:extLst>
+          </p:cNvPr>
+          <p:cNvCxnSpPr>
+            <a:cxnSpLocks/>
+          </p:cNvCxnSpPr>
+          <p:nvPr/>
+        </p:nvCxnSpPr>
+        <p:spPr>
+          <a:xfrm>
+            <a:off x="6800189" y="1396662"/>
+            <a:ext cx="227045" cy="324625"/>
+          </a:xfrm>
+          <a:prstGeom prst="line">
+            <a:avLst/>
+          </a:prstGeom>
+          <a:ln w="28575"/>
+        </p:spPr>
+        <p:style>
+          <a:lnRef idx="1">
+            <a:schemeClr val="accent1"/>
+          </a:lnRef>
+          <a:fillRef idx="0">
+            <a:schemeClr val="accent1"/>
+          </a:fillRef>
+          <a:effectRef idx="0">
+            <a:schemeClr val="accent1"/>
+          </a:effectRef>
+          <a:fontRef idx="minor">
+            <a:schemeClr val="tx1"/>
+          </a:fontRef>
+        </p:style>
+      </p:cxnSp>
+      <p:sp>
+        <p:nvSpPr>
+          <p:cNvPr id="89" name="TextBox 88">
+            <a:extLst>
+              <a:ext uri="{FF2B5EF4-FFF2-40B4-BE49-F238E27FC236}">
+                <a16:creationId xmlns:a16="http://schemas.microsoft.com/office/drawing/2014/main" id="{585D1F3C-2F52-46C4-A85E-4771987F8E42}"/>
+              </a:ext>
+            </a:extLst>
+          </p:cNvPr>
+          <p:cNvSpPr txBox="1"/>
+          <p:nvPr/>
+        </p:nvSpPr>
+        <p:spPr>
+          <a:xfrm>
+            <a:off x="6803723" y="1296829"/>
+            <a:ext cx="575853" cy="369332"/>
+          </a:xfrm>
+          <a:prstGeom prst="rect">
+            <a:avLst/>
+          </a:prstGeom>
+          <a:noFill/>
+        </p:spPr>
+        <p:txBody>
+          <a:bodyPr wrap="square" rtlCol="0">
+            <a:spAutoFit/>
+          </a:bodyPr>
+          <a:lstStyle/>
+          <a:p>
+            <a:pPr algn="ctr"/>
+            <a:r>
+              <a:rPr lang="en-US" dirty="0"/>
+              <a:t>b</a:t>
+            </a:r>
+          </a:p>
+        </p:txBody>
+      </p:sp>
+      <p:sp>
+        <p:nvSpPr>
+          <p:cNvPr id="100" name="TextBox 99">
+            <a:extLst>
+              <a:ext uri="{FF2B5EF4-FFF2-40B4-BE49-F238E27FC236}">
+                <a16:creationId xmlns:a16="http://schemas.microsoft.com/office/drawing/2014/main" id="{456AB905-89A0-4469-A73E-986BDDD85423}"/>
+              </a:ext>
+            </a:extLst>
+          </p:cNvPr>
+          <p:cNvSpPr txBox="1"/>
+          <p:nvPr/>
+        </p:nvSpPr>
+        <p:spPr>
+          <a:xfrm>
+            <a:off x="2316708" y="205475"/>
+            <a:ext cx="7086599" cy="523220"/>
+          </a:xfrm>
+          <a:prstGeom prst="rect">
+            <a:avLst/>
+          </a:prstGeom>
+          <a:noFill/>
+        </p:spPr>
+        <p:txBody>
+          <a:bodyPr wrap="square" rtlCol="0">
+            <a:spAutoFit/>
+          </a:bodyPr>
+          <a:lstStyle/>
+          <a:p>
+            <a:pPr algn="ctr"/>
+            <a:r>
+              <a:rPr lang="en-US" sz="2800" dirty="0"/>
+              <a:t>Top-level simulator Block </a:t>
+            </a:r>
+            <a:r>
+              <a:rPr lang="en-US" sz="2200" dirty="0"/>
+              <a:t>(</a:t>
+            </a:r>
+            <a:r>
+              <a:rPr lang="en-US" sz="2200" dirty="0">
+                <a:hlinkClick r:id="rId2"/>
+              </a:rPr>
+              <a:t>chisel code </a:t>
+            </a:r>
+            <a:r>
+              <a:rPr lang="en-US" sz="2200" dirty="0"/>
+              <a:t>and </a:t>
+            </a:r>
+            <a:r>
+              <a:rPr lang="en-US" sz="2200" dirty="0">
+                <a:hlinkClick r:id="rId3"/>
+              </a:rPr>
+              <a:t>tester</a:t>
+            </a:r>
+            <a:r>
+              <a:rPr lang="en-US" sz="2200" dirty="0"/>
+              <a:t>)</a:t>
+            </a:r>
+          </a:p>
+        </p:txBody>
+      </p:sp>
+      <p:sp>
+        <p:nvSpPr>
+          <p:cNvPr id="101" name="TextBox 100">
+            <a:extLst>
+              <a:ext uri="{FF2B5EF4-FFF2-40B4-BE49-F238E27FC236}">
+                <a16:creationId xmlns:a16="http://schemas.microsoft.com/office/drawing/2014/main" id="{1B70A410-4210-4811-9BED-66AA6675A426}"/>
+              </a:ext>
+            </a:extLst>
+          </p:cNvPr>
+          <p:cNvSpPr txBox="1"/>
+          <p:nvPr/>
+        </p:nvSpPr>
+        <p:spPr>
+          <a:xfrm>
+            <a:off x="3487003" y="5543535"/>
+            <a:ext cx="6171843" cy="646331"/>
+          </a:xfrm>
+          <a:prstGeom prst="rect">
+            <a:avLst/>
+          </a:prstGeom>
+          <a:noFill/>
+        </p:spPr>
+        <p:txBody>
+          <a:bodyPr wrap="square" rtlCol="0">
+            <a:spAutoFit/>
+          </a:bodyPr>
+          <a:lstStyle/>
+          <a:p>
+            <a:pPr marL="285750" indent="-285750">
+              <a:buFont typeface="Arial" panose="020B0604020202020204" pitchFamily="34" charset="0"/>
+              <a:buChar char="•"/>
+            </a:pPr>
+            <a:r>
+              <a:rPr lang="en-US" dirty="0"/>
+              <a:t>“</a:t>
+            </a:r>
+            <a:r>
+              <a:rPr lang="en-US" dirty="0" err="1"/>
+              <a:t>dataTx</a:t>
+            </a:r>
+            <a:r>
+              <a:rPr lang="en-US" dirty="0"/>
+              <a:t>” is formed with Cat( </a:t>
+            </a:r>
+            <a:r>
+              <a:rPr lang="en-US" dirty="0" err="1"/>
+              <a:t>frameIndex</a:t>
+            </a:r>
+            <a:r>
+              <a:rPr lang="en-US" dirty="0"/>
+              <a:t>, data )</a:t>
+            </a:r>
+          </a:p>
+          <a:p>
+            <a:pPr marL="285750" indent="-285750">
+              <a:buFont typeface="Arial" panose="020B0604020202020204" pitchFamily="34" charset="0"/>
+              <a:buChar char="•"/>
+            </a:pPr>
+            <a:r>
+              <a:rPr lang="en-US" dirty="0"/>
+              <a:t>“</a:t>
+            </a:r>
+            <a:r>
+              <a:rPr lang="en-US" dirty="0" err="1"/>
+              <a:t>dataRx</a:t>
+            </a:r>
+            <a:r>
+              <a:rPr lang="en-US" dirty="0"/>
+              <a:t>” is formed with Cat( </a:t>
+            </a:r>
+            <a:r>
+              <a:rPr lang="en-US" dirty="0" err="1"/>
+              <a:t>crcPassFlag</a:t>
+            </a:r>
+            <a:r>
+              <a:rPr lang="en-US" dirty="0"/>
+              <a:t>, </a:t>
+            </a:r>
+            <a:r>
+              <a:rPr lang="en-US" dirty="0" err="1"/>
+              <a:t>frameIndex</a:t>
+            </a:r>
+            <a:r>
+              <a:rPr lang="en-US" dirty="0"/>
+              <a:t>, data )</a:t>
+            </a:r>
+          </a:p>
+        </p:txBody>
+      </p:sp>
+      <p:sp>
+        <p:nvSpPr>
+          <p:cNvPr id="103" name="Rectangle 102">
+            <a:extLst>
+              <a:ext uri="{FF2B5EF4-FFF2-40B4-BE49-F238E27FC236}">
+                <a16:creationId xmlns:a16="http://schemas.microsoft.com/office/drawing/2014/main" id="{CC8F7F1E-8B49-4703-8FB4-2AAF2C5A5547}"/>
+              </a:ext>
+            </a:extLst>
+          </p:cNvPr>
+          <p:cNvSpPr/>
+          <p:nvPr/>
+        </p:nvSpPr>
+        <p:spPr>
+          <a:xfrm>
+            <a:off x="5572082" y="3294106"/>
+            <a:ext cx="1394875" cy="783500"/>
+          </a:xfrm>
+          <a:prstGeom prst="rect">
+            <a:avLst/>
+          </a:prstGeom>
+          <a:solidFill>
+            <a:schemeClr val="bg1">
+              <a:lumMod val="50000"/>
+            </a:schemeClr>
+          </a:solidFill>
+        </p:spPr>
+        <p:style>
+          <a:lnRef idx="2">
+            <a:schemeClr val="accent1">
+              <a:shade val="50000"/>
+            </a:schemeClr>
+          </a:lnRef>
+          <a:fillRef idx="1">
+            <a:schemeClr val="accent1"/>
+          </a:fillRef>
+          <a:effectRef idx="0">
+            <a:schemeClr val="accent1"/>
+          </a:effectRef>
+          <a:fontRef idx="minor">
+            <a:schemeClr val="lt1"/>
+          </a:fontRef>
+        </p:style>
+        <p:txBody>
+          <a:bodyPr rtlCol="0" anchor="ctr"/>
+          <a:lstStyle/>
+          <a:p>
+            <a:pPr algn="ctr"/>
+            <a:r>
+              <a:rPr lang="en-US" dirty="0"/>
+              <a:t>Delay(1)</a:t>
+            </a:r>
+          </a:p>
+        </p:txBody>
+      </p:sp>
+      <p:cxnSp>
+        <p:nvCxnSpPr>
+          <p:cNvPr id="70" name="Straight Arrow Connector 69">
+            <a:extLst>
+              <a:ext uri="{FF2B5EF4-FFF2-40B4-BE49-F238E27FC236}">
+                <a16:creationId xmlns:a16="http://schemas.microsoft.com/office/drawing/2014/main" id="{996597B6-C1C3-4A83-956F-5AE425D48795}"/>
+              </a:ext>
+            </a:extLst>
+          </p:cNvPr>
+          <p:cNvCxnSpPr>
+            <a:cxnSpLocks/>
+            <a:stCxn id="103" idx="3"/>
+            <a:endCxn id="44" idx="1"/>
+          </p:cNvCxnSpPr>
+          <p:nvPr/>
+        </p:nvCxnSpPr>
+        <p:spPr>
+          <a:xfrm>
+            <a:off x="6966957" y="3685856"/>
+            <a:ext cx="986798" cy="1"/>
+          </a:xfrm>
+          <a:prstGeom prst="straightConnector1">
+            <a:avLst/>
+          </a:prstGeom>
+          <a:ln w="28575">
+            <a:headEnd type="none" w="med" len="med"/>
+            <a:tailEnd type="arrow" w="med" len="med"/>
+          </a:ln>
+        </p:spPr>
+        <p:style>
+          <a:lnRef idx="1">
+            <a:schemeClr val="accent1"/>
+          </a:lnRef>
+          <a:fillRef idx="0">
+            <a:schemeClr val="accent1"/>
+          </a:fillRef>
+          <a:effectRef idx="0">
+            <a:schemeClr val="accent1"/>
+          </a:effectRef>
+          <a:fontRef idx="minor">
+            <a:schemeClr val="tx1"/>
+          </a:fontRef>
+        </p:style>
+      </p:cxnSp>
+      <p:sp>
+        <p:nvSpPr>
+          <p:cNvPr id="71" name="TextBox 70">
+            <a:extLst>
+              <a:ext uri="{FF2B5EF4-FFF2-40B4-BE49-F238E27FC236}">
+                <a16:creationId xmlns:a16="http://schemas.microsoft.com/office/drawing/2014/main" id="{04FFDF57-734C-4D89-AE35-BF195BBBBD18}"/>
+              </a:ext>
+            </a:extLst>
+          </p:cNvPr>
+          <p:cNvSpPr txBox="1"/>
+          <p:nvPr/>
+        </p:nvSpPr>
+        <p:spPr>
+          <a:xfrm>
+            <a:off x="6997690" y="3316525"/>
+            <a:ext cx="1009203" cy="369332"/>
+          </a:xfrm>
+          <a:prstGeom prst="rect">
+            <a:avLst/>
+          </a:prstGeom>
+          <a:noFill/>
+        </p:spPr>
+        <p:txBody>
+          <a:bodyPr wrap="square" rtlCol="0">
+            <a:spAutoFit/>
+          </a:bodyPr>
+          <a:lstStyle/>
+          <a:p>
+            <a:pPr algn="ctr"/>
+            <a:r>
+              <a:rPr lang="en-US" dirty="0"/>
+              <a:t>1-bit</a:t>
+            </a:r>
+          </a:p>
+        </p:txBody>
+      </p:sp>
+      <p:sp>
+        <p:nvSpPr>
+          <p:cNvPr id="72" name="TextBox 71">
+            <a:extLst>
+              <a:ext uri="{FF2B5EF4-FFF2-40B4-BE49-F238E27FC236}">
+                <a16:creationId xmlns:a16="http://schemas.microsoft.com/office/drawing/2014/main" id="{CD6A1ABB-8067-4DF4-8338-C51C2F7CAAC8}"/>
+              </a:ext>
+            </a:extLst>
+          </p:cNvPr>
+          <p:cNvSpPr txBox="1"/>
+          <p:nvPr/>
+        </p:nvSpPr>
+        <p:spPr>
+          <a:xfrm>
+            <a:off x="141124" y="2717207"/>
+            <a:ext cx="1261180" cy="369332"/>
+          </a:xfrm>
+          <a:prstGeom prst="rect">
+            <a:avLst/>
+          </a:prstGeom>
+          <a:noFill/>
+        </p:spPr>
+        <p:txBody>
+          <a:bodyPr wrap="square" rtlCol="0">
+            <a:spAutoFit/>
+          </a:bodyPr>
+          <a:lstStyle/>
+          <a:p>
+            <a:pPr algn="ctr"/>
+            <a:r>
+              <a:rPr lang="en-US" dirty="0" err="1"/>
+              <a:t>dataTx</a:t>
+            </a:r>
+            <a:endParaRPr lang="en-US" dirty="0"/>
+          </a:p>
+        </p:txBody>
+      </p:sp>
+      <p:sp>
+        <p:nvSpPr>
+          <p:cNvPr id="80" name="TextBox 79">
+            <a:extLst>
+              <a:ext uri="{FF2B5EF4-FFF2-40B4-BE49-F238E27FC236}">
+                <a16:creationId xmlns:a16="http://schemas.microsoft.com/office/drawing/2014/main" id="{6F1AD76B-61C7-48BC-A750-3385DBD6ABD4}"/>
+              </a:ext>
+            </a:extLst>
+          </p:cNvPr>
+          <p:cNvSpPr txBox="1"/>
+          <p:nvPr/>
+        </p:nvSpPr>
+        <p:spPr>
+          <a:xfrm>
+            <a:off x="10804441" y="2879520"/>
+            <a:ext cx="1261180" cy="369332"/>
+          </a:xfrm>
+          <a:prstGeom prst="rect">
+            <a:avLst/>
+          </a:prstGeom>
+          <a:noFill/>
+        </p:spPr>
+        <p:txBody>
+          <a:bodyPr wrap="square" rtlCol="0">
+            <a:spAutoFit/>
+          </a:bodyPr>
+          <a:lstStyle/>
+          <a:p>
+            <a:pPr algn="ctr"/>
+            <a:r>
+              <a:rPr lang="en-US" dirty="0" err="1"/>
+              <a:t>dataRx</a:t>
+            </a:r>
+            <a:endParaRPr lang="en-US" dirty="0"/>
+          </a:p>
+        </p:txBody>
+      </p:sp>
+      <p:cxnSp>
+        <p:nvCxnSpPr>
+          <p:cNvPr id="81" name="Straight Arrow Connector 80">
+            <a:extLst>
+              <a:ext uri="{FF2B5EF4-FFF2-40B4-BE49-F238E27FC236}">
+                <a16:creationId xmlns:a16="http://schemas.microsoft.com/office/drawing/2014/main" id="{680DFBAC-94D9-4E5B-A332-4494C6D51E38}"/>
+              </a:ext>
+            </a:extLst>
+          </p:cNvPr>
+          <p:cNvCxnSpPr>
+            <a:cxnSpLocks/>
+          </p:cNvCxnSpPr>
+          <p:nvPr/>
+        </p:nvCxnSpPr>
+        <p:spPr>
+          <a:xfrm>
+            <a:off x="9848376" y="3248852"/>
+            <a:ext cx="1675856" cy="0"/>
+          </a:xfrm>
+          <a:prstGeom prst="straightConnector1">
+            <a:avLst/>
+          </a:prstGeom>
+          <a:ln w="28575">
+            <a:headEnd type="none" w="med" len="med"/>
+            <a:tailEnd type="arrow" w="med" len="med"/>
+          </a:ln>
+        </p:spPr>
+        <p:style>
+          <a:lnRef idx="1">
+            <a:schemeClr val="accent1"/>
+          </a:lnRef>
+          <a:fillRef idx="0">
+            <a:schemeClr val="accent1"/>
+          </a:fillRef>
+          <a:effectRef idx="0">
+            <a:schemeClr val="accent1"/>
+          </a:effectRef>
+          <a:fontRef idx="minor">
+            <a:schemeClr val="tx1"/>
+          </a:fontRef>
+        </p:style>
+      </p:cxnSp>
+      <p:cxnSp>
+        <p:nvCxnSpPr>
+          <p:cNvPr id="98" name="Straight Connector 97">
+            <a:extLst>
+              <a:ext uri="{FF2B5EF4-FFF2-40B4-BE49-F238E27FC236}">
+                <a16:creationId xmlns:a16="http://schemas.microsoft.com/office/drawing/2014/main" id="{DDCA2A4F-D86A-45C5-9DC8-503AB05AB52D}"/>
+              </a:ext>
+            </a:extLst>
+          </p:cNvPr>
+          <p:cNvCxnSpPr>
+            <a:cxnSpLocks/>
+          </p:cNvCxnSpPr>
+          <p:nvPr/>
+        </p:nvCxnSpPr>
+        <p:spPr>
+          <a:xfrm>
+            <a:off x="10941311" y="3064186"/>
+            <a:ext cx="227045" cy="324625"/>
+          </a:xfrm>
+          <a:prstGeom prst="line">
+            <a:avLst/>
+          </a:prstGeom>
+          <a:ln w="28575"/>
+        </p:spPr>
+        <p:style>
+          <a:lnRef idx="1">
+            <a:schemeClr val="accent1"/>
+          </a:lnRef>
+          <a:fillRef idx="0">
+            <a:schemeClr val="accent1"/>
+          </a:fillRef>
+          <a:effectRef idx="0">
+            <a:schemeClr val="accent1"/>
+          </a:effectRef>
+          <a:fontRef idx="minor">
+            <a:schemeClr val="tx1"/>
+          </a:fontRef>
+        </p:style>
+      </p:cxnSp>
+      <p:sp>
+        <p:nvSpPr>
+          <p:cNvPr id="99" name="TextBox 98">
+            <a:extLst>
+              <a:ext uri="{FF2B5EF4-FFF2-40B4-BE49-F238E27FC236}">
+                <a16:creationId xmlns:a16="http://schemas.microsoft.com/office/drawing/2014/main" id="{1CF00F3D-1E4B-45CE-8CD5-5E9E38C978A7}"/>
+              </a:ext>
+            </a:extLst>
+          </p:cNvPr>
+          <p:cNvSpPr txBox="1"/>
+          <p:nvPr/>
+        </p:nvSpPr>
+        <p:spPr>
+          <a:xfrm>
+            <a:off x="10488770" y="3315225"/>
+            <a:ext cx="885070" cy="369332"/>
+          </a:xfrm>
+          <a:prstGeom prst="rect">
+            <a:avLst/>
+          </a:prstGeom>
+          <a:noFill/>
+        </p:spPr>
+        <p:txBody>
+          <a:bodyPr wrap="square" rtlCol="0">
+            <a:spAutoFit/>
+          </a:bodyPr>
+          <a:lstStyle/>
+          <a:p>
+            <a:pPr algn="ctr"/>
+            <a:r>
+              <a:rPr lang="en-US" dirty="0"/>
+              <a:t>1+b+c</a:t>
+            </a:r>
+          </a:p>
+        </p:txBody>
+      </p:sp>
+      <p:cxnSp>
+        <p:nvCxnSpPr>
+          <p:cNvPr id="102" name="Straight Arrow Connector 101">
+            <a:extLst>
+              <a:ext uri="{FF2B5EF4-FFF2-40B4-BE49-F238E27FC236}">
+                <a16:creationId xmlns:a16="http://schemas.microsoft.com/office/drawing/2014/main" id="{EC6A65C6-BAFB-4671-A21F-A1977B0FFE2B}"/>
+              </a:ext>
+            </a:extLst>
+          </p:cNvPr>
+          <p:cNvCxnSpPr>
+            <a:cxnSpLocks/>
+          </p:cNvCxnSpPr>
+          <p:nvPr/>
+        </p:nvCxnSpPr>
+        <p:spPr>
+          <a:xfrm>
+            <a:off x="9848376" y="4031829"/>
+            <a:ext cx="1675856" cy="1300"/>
+          </a:xfrm>
+          <a:prstGeom prst="straightConnector1">
+            <a:avLst/>
+          </a:prstGeom>
+          <a:ln w="28575">
+            <a:headEnd type="none" w="med" len="med"/>
+            <a:tailEnd type="arrow" w="med" len="med"/>
+          </a:ln>
+        </p:spPr>
+        <p:style>
+          <a:lnRef idx="1">
+            <a:schemeClr val="accent1"/>
+          </a:lnRef>
+          <a:fillRef idx="0">
+            <a:schemeClr val="accent1"/>
+          </a:fillRef>
+          <a:effectRef idx="0">
+            <a:schemeClr val="accent1"/>
+          </a:effectRef>
+          <a:fontRef idx="minor">
+            <a:schemeClr val="tx1"/>
+          </a:fontRef>
+        </p:style>
+      </p:cxnSp>
+      <p:sp>
+        <p:nvSpPr>
+          <p:cNvPr id="105" name="TextBox 104">
+            <a:extLst>
+              <a:ext uri="{FF2B5EF4-FFF2-40B4-BE49-F238E27FC236}">
+                <a16:creationId xmlns:a16="http://schemas.microsoft.com/office/drawing/2014/main" id="{50E1DC8A-5FE4-426A-B360-82DF8E7FE775}"/>
+              </a:ext>
+            </a:extLst>
+          </p:cNvPr>
+          <p:cNvSpPr txBox="1"/>
+          <p:nvPr/>
+        </p:nvSpPr>
+        <p:spPr>
+          <a:xfrm>
+            <a:off x="10672582" y="4045236"/>
+            <a:ext cx="1261180" cy="369332"/>
+          </a:xfrm>
+          <a:prstGeom prst="rect">
+            <a:avLst/>
+          </a:prstGeom>
+          <a:noFill/>
+        </p:spPr>
+        <p:txBody>
+          <a:bodyPr wrap="square" rtlCol="0">
+            <a:spAutoFit/>
+          </a:bodyPr>
+          <a:lstStyle/>
+          <a:p>
+            <a:pPr algn="ctr"/>
+            <a:r>
+              <a:rPr lang="en-US" dirty="0" err="1"/>
+              <a:t>outValid</a:t>
+            </a:r>
+            <a:endParaRPr lang="en-US" dirty="0"/>
+          </a:p>
+        </p:txBody>
+      </p:sp>
+    </p:spTree>
+    <p:extLst>
+      <p:ext uri="{BB962C8B-B14F-4D97-AF65-F5344CB8AC3E}">
+        <p14:creationId xmlns:p14="http://schemas.microsoft.com/office/powerpoint/2010/main" val="1941687123"/>
+      </p:ext>
+    </p:extLst>
+  </p:cSld>
+  <p:clrMapOvr>
+    <a:masterClrMapping/>
+  </p:clrMapOvr>
+</p:sld>
+</file>
+
 <file path=ppt/theme/theme1.xml><?xml version="1.0" encoding="utf-8"?>
 <a:theme xmlns:a="http://schemas.openxmlformats.org/drawingml/2006/main" name="Office Theme">
   <a:themeElements>

--- a/OOKTRx_slides.pptx
+++ b/OOKTRx_slides.pptx
@@ -263,7 +263,7 @@
           <a:p>
             <a:fld id="{5E16051A-C47B-44A4-BA5C-F905A8DCECB5}" type="datetimeFigureOut">
               <a:rPr lang="en-US" smtClean="0"/>
-              <a:t>7/9/2018</a:t>
+              <a:t>7/10/2018</a:t>
             </a:fld>
             <a:endParaRPr lang="en-US"/>
           </a:p>
@@ -461,7 +461,7 @@
           <a:p>
             <a:fld id="{5E16051A-C47B-44A4-BA5C-F905A8DCECB5}" type="datetimeFigureOut">
               <a:rPr lang="en-US" smtClean="0"/>
-              <a:t>7/9/2018</a:t>
+              <a:t>7/10/2018</a:t>
             </a:fld>
             <a:endParaRPr lang="en-US"/>
           </a:p>
@@ -669,7 +669,7 @@
           <a:p>
             <a:fld id="{5E16051A-C47B-44A4-BA5C-F905A8DCECB5}" type="datetimeFigureOut">
               <a:rPr lang="en-US" smtClean="0"/>
-              <a:t>7/9/2018</a:t>
+              <a:t>7/10/2018</a:t>
             </a:fld>
             <a:endParaRPr lang="en-US"/>
           </a:p>
@@ -867,7 +867,7 @@
           <a:p>
             <a:fld id="{5E16051A-C47B-44A4-BA5C-F905A8DCECB5}" type="datetimeFigureOut">
               <a:rPr lang="en-US" smtClean="0"/>
-              <a:t>7/9/2018</a:t>
+              <a:t>7/10/2018</a:t>
             </a:fld>
             <a:endParaRPr lang="en-US"/>
           </a:p>
@@ -1142,7 +1142,7 @@
           <a:p>
             <a:fld id="{5E16051A-C47B-44A4-BA5C-F905A8DCECB5}" type="datetimeFigureOut">
               <a:rPr lang="en-US" smtClean="0"/>
-              <a:t>7/9/2018</a:t>
+              <a:t>7/10/2018</a:t>
             </a:fld>
             <a:endParaRPr lang="en-US"/>
           </a:p>
@@ -1407,7 +1407,7 @@
           <a:p>
             <a:fld id="{5E16051A-C47B-44A4-BA5C-F905A8DCECB5}" type="datetimeFigureOut">
               <a:rPr lang="en-US" smtClean="0"/>
-              <a:t>7/9/2018</a:t>
+              <a:t>7/10/2018</a:t>
             </a:fld>
             <a:endParaRPr lang="en-US"/>
           </a:p>
@@ -1819,7 +1819,7 @@
           <a:p>
             <a:fld id="{5E16051A-C47B-44A4-BA5C-F905A8DCECB5}" type="datetimeFigureOut">
               <a:rPr lang="en-US" smtClean="0"/>
-              <a:t>7/9/2018</a:t>
+              <a:t>7/10/2018</a:t>
             </a:fld>
             <a:endParaRPr lang="en-US"/>
           </a:p>
@@ -1960,7 +1960,7 @@
           <a:p>
             <a:fld id="{5E16051A-C47B-44A4-BA5C-F905A8DCECB5}" type="datetimeFigureOut">
               <a:rPr lang="en-US" smtClean="0"/>
-              <a:t>7/9/2018</a:t>
+              <a:t>7/10/2018</a:t>
             </a:fld>
             <a:endParaRPr lang="en-US"/>
           </a:p>
@@ -2073,7 +2073,7 @@
           <a:p>
             <a:fld id="{5E16051A-C47B-44A4-BA5C-F905A8DCECB5}" type="datetimeFigureOut">
               <a:rPr lang="en-US" smtClean="0"/>
-              <a:t>7/9/2018</a:t>
+              <a:t>7/10/2018</a:t>
             </a:fld>
             <a:endParaRPr lang="en-US"/>
           </a:p>
@@ -2384,7 +2384,7 @@
           <a:p>
             <a:fld id="{5E16051A-C47B-44A4-BA5C-F905A8DCECB5}" type="datetimeFigureOut">
               <a:rPr lang="en-US" smtClean="0"/>
-              <a:t>7/9/2018</a:t>
+              <a:t>7/10/2018</a:t>
             </a:fld>
             <a:endParaRPr lang="en-US"/>
           </a:p>
@@ -2672,7 +2672,7 @@
           <a:p>
             <a:fld id="{5E16051A-C47B-44A4-BA5C-F905A8DCECB5}" type="datetimeFigureOut">
               <a:rPr lang="en-US" smtClean="0"/>
-              <a:t>7/9/2018</a:t>
+              <a:t>7/10/2018</a:t>
             </a:fld>
             <a:endParaRPr lang="en-US"/>
           </a:p>
@@ -2913,7 +2913,7 @@
           <a:p>
             <a:fld id="{5E16051A-C47B-44A4-BA5C-F905A8DCECB5}" type="datetimeFigureOut">
               <a:rPr lang="en-US" smtClean="0"/>
-              <a:t>7/9/2018</a:t>
+              <a:t>7/10/2018</a:t>
             </a:fld>
             <a:endParaRPr lang="en-US"/>
           </a:p>
@@ -10563,17 +10563,14 @@
         </p:nvSpPr>
         <p:spPr>
           <a:xfrm>
-            <a:off x="2865872" y="2216285"/>
-            <a:ext cx="1894621" cy="2939143"/>
-          </a:xfrm>
-          <a:prstGeom prst="rect">
-            <a:avLst/>
-          </a:prstGeom>
-          <a:solidFill>
-            <a:schemeClr val="accent6">
-              <a:lumMod val="75000"/>
-            </a:schemeClr>
-          </a:solidFill>
+            <a:off x="2509236" y="2216285"/>
+            <a:ext cx="2251257" cy="2939143"/>
+          </a:xfrm>
+          <a:prstGeom prst="rect">
+            <a:avLst/>
+          </a:prstGeom>
+          <a:noFill/>
+          <a:ln w="28575"/>
         </p:spPr>
         <p:style>
           <a:lnRef idx="2">
@@ -10596,66 +10593,11 @@
           <a:lstStyle/>
           <a:p>
             <a:pPr algn="ctr"/>
-            <a:r>
-              <a:rPr lang="en-US" dirty="0" err="1"/>
-              <a:t>TxControl</a:t>
-            </a:r>
-            <a:endParaRPr lang="en-US" dirty="0"/>
-          </a:p>
-        </p:txBody>
-      </p:sp>
-      <p:sp>
-        <p:nvSpPr>
-          <p:cNvPr id="28" name="Rectangle 27">
-            <a:extLst>
-              <a:ext uri="{FF2B5EF4-FFF2-40B4-BE49-F238E27FC236}">
-                <a16:creationId xmlns:a16="http://schemas.microsoft.com/office/drawing/2014/main" id="{D323CABD-DBD5-4614-86D8-88015F09242C}"/>
-              </a:ext>
-            </a:extLst>
-          </p:cNvPr>
-          <p:cNvSpPr/>
-          <p:nvPr/>
-        </p:nvSpPr>
-        <p:spPr>
-          <a:xfrm>
-            <a:off x="2184917" y="1860327"/>
-            <a:ext cx="8377334" cy="3576131"/>
-          </a:xfrm>
-          <a:prstGeom prst="rect">
-            <a:avLst/>
-          </a:prstGeom>
-          <a:noFill/>
-          <a:ln w="28575">
-            <a:solidFill>
-              <a:schemeClr val="accent2">
-                <a:lumMod val="75000"/>
-              </a:schemeClr>
-            </a:solidFill>
-            <a:prstDash val="dash"/>
-          </a:ln>
-        </p:spPr>
-        <p:style>
-          <a:lnRef idx="2">
-            <a:schemeClr val="accent1">
-              <a:shade val="50000"/>
-            </a:schemeClr>
-          </a:lnRef>
-          <a:fillRef idx="1">
-            <a:schemeClr val="accent1"/>
-          </a:fillRef>
-          <a:effectRef idx="0">
-            <a:schemeClr val="accent1"/>
-          </a:effectRef>
-          <a:fontRef idx="minor">
-            <a:schemeClr val="lt1"/>
-          </a:fontRef>
-        </p:style>
-        <p:txBody>
-          <a:bodyPr rtlCol="0" anchor="ctr"/>
-          <a:lstStyle/>
-          <a:p>
-            <a:pPr algn="ctr"/>
-            <a:endParaRPr lang="en-US"/>
+            <a:endParaRPr lang="en-US" dirty="0">
+              <a:solidFill>
+                <a:schemeClr val="tx1"/>
+              </a:solidFill>
+            </a:endParaRPr>
           </a:p>
         </p:txBody>
       </p:sp>
@@ -10739,61 +10681,6 @@
           </a:p>
         </p:txBody>
       </p:sp>
-      <p:sp>
-        <p:nvSpPr>
-          <p:cNvPr id="44" name="Rectangle 43">
-            <a:extLst>
-              <a:ext uri="{FF2B5EF4-FFF2-40B4-BE49-F238E27FC236}">
-                <a16:creationId xmlns:a16="http://schemas.microsoft.com/office/drawing/2014/main" id="{7CA18F02-6E07-407D-AA77-B205BCC300D4}"/>
-              </a:ext>
-            </a:extLst>
-          </p:cNvPr>
-          <p:cNvSpPr/>
-          <p:nvPr/>
-        </p:nvSpPr>
-        <p:spPr>
-          <a:xfrm>
-            <a:off x="7953755" y="2216285"/>
-            <a:ext cx="1894621" cy="2939143"/>
-          </a:xfrm>
-          <a:prstGeom prst="rect">
-            <a:avLst/>
-          </a:prstGeom>
-          <a:solidFill>
-            <a:schemeClr val="accent6">
-              <a:lumMod val="75000"/>
-            </a:schemeClr>
-          </a:solidFill>
-        </p:spPr>
-        <p:style>
-          <a:lnRef idx="2">
-            <a:schemeClr val="accent1">
-              <a:shade val="50000"/>
-            </a:schemeClr>
-          </a:lnRef>
-          <a:fillRef idx="1">
-            <a:schemeClr val="accent1"/>
-          </a:fillRef>
-          <a:effectRef idx="0">
-            <a:schemeClr val="accent1"/>
-          </a:effectRef>
-          <a:fontRef idx="minor">
-            <a:schemeClr val="lt1"/>
-          </a:fontRef>
-        </p:style>
-        <p:txBody>
-          <a:bodyPr rtlCol="0" anchor="ctr"/>
-          <a:lstStyle/>
-          <a:p>
-            <a:pPr algn="ctr"/>
-            <a:r>
-              <a:rPr lang="en-US" dirty="0" err="1"/>
-              <a:t>RxControl</a:t>
-            </a:r>
-            <a:endParaRPr lang="en-US" dirty="0"/>
-          </a:p>
-        </p:txBody>
-      </p:sp>
       <p:cxnSp>
         <p:nvCxnSpPr>
           <p:cNvPr id="51" name="Straight Arrow Connector 50">
@@ -10811,7 +10698,7 @@
         <p:spPr>
           <a:xfrm>
             <a:off x="1190016" y="2890272"/>
-            <a:ext cx="1675856" cy="0"/>
+            <a:ext cx="1319220" cy="0"/>
           </a:xfrm>
           <a:prstGeom prst="straightConnector1">
             <a:avLst/>
@@ -10930,7 +10817,7 @@
         <p:spPr>
           <a:xfrm>
             <a:off x="1190016" y="3684557"/>
-            <a:ext cx="1675856" cy="1300"/>
+            <a:ext cx="1319220" cy="1300"/>
           </a:xfrm>
           <a:prstGeom prst="straightConnector1">
             <a:avLst/>
@@ -10986,7 +10873,7 @@
             <a:pPr algn="ctr"/>
             <a:r>
               <a:rPr lang="en-US" dirty="0" err="1"/>
-              <a:t>dataValid</a:t>
+              <a:t>dataTxValid</a:t>
             </a:r>
             <a:endParaRPr lang="en-US" dirty="0"/>
           </a:p>
@@ -11009,7 +10896,7 @@
         <p:spPr>
           <a:xfrm>
             <a:off x="1190016" y="4480068"/>
-            <a:ext cx="1675856" cy="0"/>
+            <a:ext cx="1319220" cy="0"/>
           </a:xfrm>
           <a:prstGeom prst="straightConnector1">
             <a:avLst/>
@@ -11065,316 +10952,11 @@
             <a:pPr algn="ctr"/>
             <a:r>
               <a:rPr lang="en-US" dirty="0" err="1"/>
-              <a:t>TxStart</a:t>
-            </a:r>
-            <a:endParaRPr lang="en-US" dirty="0"/>
-          </a:p>
-        </p:txBody>
-      </p:sp>
-      <p:cxnSp>
-        <p:nvCxnSpPr>
-          <p:cNvPr id="82" name="Straight Arrow Connector 81">
-            <a:extLst>
-              <a:ext uri="{FF2B5EF4-FFF2-40B4-BE49-F238E27FC236}">
-                <a16:creationId xmlns:a16="http://schemas.microsoft.com/office/drawing/2014/main" id="{B6F60A53-156E-424E-B745-7034E83D70C7}"/>
-              </a:ext>
-            </a:extLst>
-          </p:cNvPr>
-          <p:cNvCxnSpPr>
-            <a:cxnSpLocks/>
-          </p:cNvCxnSpPr>
-          <p:nvPr/>
-        </p:nvCxnSpPr>
-        <p:spPr>
-          <a:xfrm>
-            <a:off x="5679905" y="1302184"/>
-            <a:ext cx="0" cy="548900"/>
-          </a:xfrm>
-          <a:prstGeom prst="straightConnector1">
-            <a:avLst/>
-          </a:prstGeom>
-          <a:ln w="28575">
-            <a:headEnd type="none" w="med" len="med"/>
-            <a:tailEnd type="arrow" w="med" len="med"/>
-          </a:ln>
-        </p:spPr>
-        <p:style>
-          <a:lnRef idx="1">
-            <a:schemeClr val="accent1"/>
-          </a:lnRef>
-          <a:fillRef idx="0">
-            <a:schemeClr val="accent1"/>
-          </a:fillRef>
-          <a:effectRef idx="0">
-            <a:schemeClr val="accent1"/>
-          </a:effectRef>
-          <a:fontRef idx="minor">
-            <a:schemeClr val="tx1"/>
-          </a:fontRef>
-        </p:style>
-      </p:cxnSp>
-      <p:sp>
-        <p:nvSpPr>
-          <p:cNvPr id="83" name="TextBox 82">
-            <a:extLst>
-              <a:ext uri="{FF2B5EF4-FFF2-40B4-BE49-F238E27FC236}">
-                <a16:creationId xmlns:a16="http://schemas.microsoft.com/office/drawing/2014/main" id="{4ED1B239-C525-483E-BC67-B5D30FECFA93}"/>
-              </a:ext>
-            </a:extLst>
-          </p:cNvPr>
-          <p:cNvSpPr txBox="1"/>
-          <p:nvPr/>
-        </p:nvSpPr>
-        <p:spPr>
-          <a:xfrm>
-            <a:off x="4951211" y="999576"/>
-            <a:ext cx="1147669" cy="369332"/>
-          </a:xfrm>
-          <a:prstGeom prst="rect">
-            <a:avLst/>
-          </a:prstGeom>
-          <a:noFill/>
-        </p:spPr>
-        <p:txBody>
-          <a:bodyPr wrap="square" rtlCol="0">
-            <a:spAutoFit/>
-          </a:bodyPr>
-          <a:lstStyle/>
-          <a:p>
-            <a:pPr algn="ctr"/>
-            <a:r>
-              <a:rPr lang="en-US" dirty="0" err="1"/>
-              <a:t>frameBits</a:t>
-            </a:r>
-            <a:endParaRPr lang="en-US" dirty="0"/>
-          </a:p>
-        </p:txBody>
-      </p:sp>
-      <p:cxnSp>
-        <p:nvCxnSpPr>
-          <p:cNvPr id="84" name="Straight Connector 83">
-            <a:extLst>
-              <a:ext uri="{FF2B5EF4-FFF2-40B4-BE49-F238E27FC236}">
-                <a16:creationId xmlns:a16="http://schemas.microsoft.com/office/drawing/2014/main" id="{C86CA429-C1C7-484C-BD82-C5887138DBA6}"/>
-              </a:ext>
-            </a:extLst>
-          </p:cNvPr>
-          <p:cNvCxnSpPr>
-            <a:cxnSpLocks/>
-          </p:cNvCxnSpPr>
-          <p:nvPr/>
-        </p:nvCxnSpPr>
-        <p:spPr>
-          <a:xfrm>
-            <a:off x="5588840" y="1375365"/>
-            <a:ext cx="227045" cy="324625"/>
-          </a:xfrm>
-          <a:prstGeom prst="line">
-            <a:avLst/>
-          </a:prstGeom>
-          <a:ln w="28575"/>
-        </p:spPr>
-        <p:style>
-          <a:lnRef idx="1">
-            <a:schemeClr val="accent1"/>
-          </a:lnRef>
-          <a:fillRef idx="0">
-            <a:schemeClr val="accent1"/>
-          </a:fillRef>
-          <a:effectRef idx="0">
-            <a:schemeClr val="accent1"/>
-          </a:effectRef>
-          <a:fontRef idx="minor">
-            <a:schemeClr val="tx1"/>
-          </a:fontRef>
-        </p:style>
-      </p:cxnSp>
-      <p:sp>
-        <p:nvSpPr>
-          <p:cNvPr id="85" name="TextBox 84">
-            <a:extLst>
-              <a:ext uri="{FF2B5EF4-FFF2-40B4-BE49-F238E27FC236}">
-                <a16:creationId xmlns:a16="http://schemas.microsoft.com/office/drawing/2014/main" id="{3F2BEA68-4095-4493-BEE3-20BEF2723911}"/>
-              </a:ext>
-            </a:extLst>
-          </p:cNvPr>
-          <p:cNvSpPr txBox="1"/>
-          <p:nvPr/>
-        </p:nvSpPr>
-        <p:spPr>
-          <a:xfrm>
-            <a:off x="5551708" y="1284548"/>
-            <a:ext cx="575853" cy="369332"/>
-          </a:xfrm>
-          <a:prstGeom prst="rect">
-            <a:avLst/>
-          </a:prstGeom>
-          <a:noFill/>
-        </p:spPr>
-        <p:txBody>
-          <a:bodyPr wrap="square" rtlCol="0">
-            <a:spAutoFit/>
-          </a:bodyPr>
-          <a:lstStyle/>
-          <a:p>
-            <a:pPr algn="ctr"/>
+              <a:t>TxEn</a:t>
+            </a:r>
             <a:r>
               <a:rPr lang="en-US" dirty="0"/>
-              <a:t>a</a:t>
-            </a:r>
-          </a:p>
-        </p:txBody>
-      </p:sp>
-      <p:cxnSp>
-        <p:nvCxnSpPr>
-          <p:cNvPr id="86" name="Straight Arrow Connector 85">
-            <a:extLst>
-              <a:ext uri="{FF2B5EF4-FFF2-40B4-BE49-F238E27FC236}">
-                <a16:creationId xmlns:a16="http://schemas.microsoft.com/office/drawing/2014/main" id="{3E323A73-D1F3-4A0E-84F6-7E04A297ED22}"/>
-              </a:ext>
-            </a:extLst>
-          </p:cNvPr>
-          <p:cNvCxnSpPr>
-            <a:cxnSpLocks/>
-          </p:cNvCxnSpPr>
-          <p:nvPr/>
-        </p:nvCxnSpPr>
-        <p:spPr>
-          <a:xfrm>
-            <a:off x="6913712" y="1314465"/>
-            <a:ext cx="0" cy="548900"/>
-          </a:xfrm>
-          <a:prstGeom prst="straightConnector1">
-            <a:avLst/>
-          </a:prstGeom>
-          <a:ln w="28575">
-            <a:headEnd type="none" w="med" len="med"/>
-            <a:tailEnd type="arrow" w="med" len="med"/>
-          </a:ln>
-        </p:spPr>
-        <p:style>
-          <a:lnRef idx="1">
-            <a:schemeClr val="accent1"/>
-          </a:lnRef>
-          <a:fillRef idx="0">
-            <a:schemeClr val="accent1"/>
-          </a:fillRef>
-          <a:effectRef idx="0">
-            <a:schemeClr val="accent1"/>
-          </a:effectRef>
-          <a:fontRef idx="minor">
-            <a:schemeClr val="tx1"/>
-          </a:fontRef>
-        </p:style>
-      </p:cxnSp>
-      <p:sp>
-        <p:nvSpPr>
-          <p:cNvPr id="87" name="TextBox 86">
-            <a:extLst>
-              <a:ext uri="{FF2B5EF4-FFF2-40B4-BE49-F238E27FC236}">
-                <a16:creationId xmlns:a16="http://schemas.microsoft.com/office/drawing/2014/main" id="{5A0E0359-45A7-4E4F-94A9-4E2A1BBA40B9}"/>
-              </a:ext>
-            </a:extLst>
-          </p:cNvPr>
-          <p:cNvSpPr txBox="1"/>
-          <p:nvPr/>
-        </p:nvSpPr>
-        <p:spPr>
-          <a:xfrm>
-            <a:off x="6572925" y="992257"/>
-            <a:ext cx="1348614" cy="369332"/>
-          </a:xfrm>
-          <a:prstGeom prst="rect">
-            <a:avLst/>
-          </a:prstGeom>
-          <a:noFill/>
-        </p:spPr>
-        <p:txBody>
-          <a:bodyPr wrap="square" rtlCol="0">
-            <a:spAutoFit/>
-          </a:bodyPr>
-          <a:lstStyle/>
-          <a:p>
-            <a:pPr algn="ctr"/>
-            <a:r>
-              <a:rPr lang="en-US" dirty="0" err="1"/>
-              <a:t>frameIndex</a:t>
-            </a:r>
-            <a:endParaRPr lang="en-US" dirty="0"/>
-          </a:p>
-        </p:txBody>
-      </p:sp>
-      <p:cxnSp>
-        <p:nvCxnSpPr>
-          <p:cNvPr id="88" name="Straight Connector 87">
-            <a:extLst>
-              <a:ext uri="{FF2B5EF4-FFF2-40B4-BE49-F238E27FC236}">
-                <a16:creationId xmlns:a16="http://schemas.microsoft.com/office/drawing/2014/main" id="{BDA3A4A5-14AD-4973-8FBB-5C64882FB7F8}"/>
-              </a:ext>
-            </a:extLst>
-          </p:cNvPr>
-          <p:cNvCxnSpPr>
-            <a:cxnSpLocks/>
-          </p:cNvCxnSpPr>
-          <p:nvPr/>
-        </p:nvCxnSpPr>
-        <p:spPr>
-          <a:xfrm>
-            <a:off x="6800189" y="1396662"/>
-            <a:ext cx="227045" cy="324625"/>
-          </a:xfrm>
-          <a:prstGeom prst="line">
-            <a:avLst/>
-          </a:prstGeom>
-          <a:ln w="28575"/>
-        </p:spPr>
-        <p:style>
-          <a:lnRef idx="1">
-            <a:schemeClr val="accent1"/>
-          </a:lnRef>
-          <a:fillRef idx="0">
-            <a:schemeClr val="accent1"/>
-          </a:fillRef>
-          <a:effectRef idx="0">
-            <a:schemeClr val="accent1"/>
-          </a:effectRef>
-          <a:fontRef idx="minor">
-            <a:schemeClr val="tx1"/>
-          </a:fontRef>
-        </p:style>
-      </p:cxnSp>
-      <p:sp>
-        <p:nvSpPr>
-          <p:cNvPr id="89" name="TextBox 88">
-            <a:extLst>
-              <a:ext uri="{FF2B5EF4-FFF2-40B4-BE49-F238E27FC236}">
-                <a16:creationId xmlns:a16="http://schemas.microsoft.com/office/drawing/2014/main" id="{585D1F3C-2F52-46C4-A85E-4771987F8E42}"/>
-              </a:ext>
-            </a:extLst>
-          </p:cNvPr>
-          <p:cNvSpPr txBox="1"/>
-          <p:nvPr/>
-        </p:nvSpPr>
-        <p:spPr>
-          <a:xfrm>
-            <a:off x="6803723" y="1296829"/>
-            <a:ext cx="575853" cy="369332"/>
-          </a:xfrm>
-          <a:prstGeom prst="rect">
-            <a:avLst/>
-          </a:prstGeom>
-          <a:noFill/>
-        </p:spPr>
-        <p:txBody>
-          <a:bodyPr wrap="square" rtlCol="0">
-            <a:spAutoFit/>
-          </a:bodyPr>
-          <a:lstStyle/>
-          <a:p>
-            <a:pPr algn="ctr"/>
-            <a:r>
-              <a:rPr lang="en-US" dirty="0"/>
-              <a:t>b</a:t>
+              <a:t> = 1</a:t>
             </a:r>
           </a:p>
         </p:txBody>
@@ -11453,8 +11035,8 @@
         </p:nvSpPr>
         <p:spPr>
           <a:xfrm>
-            <a:off x="3487003" y="5543535"/>
-            <a:ext cx="6171843" cy="646331"/>
+            <a:off x="3384366" y="5633600"/>
+            <a:ext cx="6171843" cy="923330"/>
           </a:xfrm>
           <a:prstGeom prst="rect">
             <a:avLst/>
@@ -11466,6 +11048,31 @@
             <a:spAutoFit/>
           </a:bodyPr>
           <a:lstStyle/>
+          <a:p>
+            <a:pPr marL="285750" indent="-285750">
+              <a:buFont typeface="Arial" panose="020B0604020202020204" pitchFamily="34" charset="0"/>
+              <a:buChar char="•"/>
+            </a:pPr>
+            <a:r>
+              <a:rPr lang="en-US" dirty="0"/>
+              <a:t>“</a:t>
+            </a:r>
+            <a:r>
+              <a:rPr lang="en-US" dirty="0" err="1"/>
+              <a:t>TopControl</a:t>
+            </a:r>
+            <a:r>
+              <a:rPr lang="en-US" dirty="0"/>
+              <a:t>” block is </a:t>
+            </a:r>
+            <a:r>
+              <a:rPr lang="en-US" dirty="0">
+                <a:hlinkClick r:id="rId4"/>
+              </a:rPr>
+              <a:t>here</a:t>
+            </a:r>
+            <a:endParaRPr lang="en-US" dirty="0"/>
+          </a:p>
           <a:p>
             <a:pPr marL="285750" indent="-285750">
               <a:buFont typeface="Arial" panose="020B0604020202020204" pitchFamily="34" charset="0"/>
@@ -11577,55 +11184,11 @@
             <a:pPr algn="ctr"/>
             <a:r>
               <a:rPr lang="en-US" dirty="0"/>
-              <a:t>Delay(1)</a:t>
-            </a:r>
-          </a:p>
-        </p:txBody>
-      </p:sp>
-      <p:cxnSp>
-        <p:nvCxnSpPr>
-          <p:cNvPr id="70" name="Straight Arrow Connector 69">
-            <a:extLst>
-              <a:ext uri="{FF2B5EF4-FFF2-40B4-BE49-F238E27FC236}">
-                <a16:creationId xmlns:a16="http://schemas.microsoft.com/office/drawing/2014/main" id="{996597B6-C1C3-4A83-956F-5AE425D48795}"/>
-              </a:ext>
-            </a:extLst>
-          </p:cNvPr>
-          <p:cNvCxnSpPr>
-            <a:cxnSpLocks/>
-            <a:stCxn id="103" idx="3"/>
-            <a:endCxn id="44" idx="1"/>
-          </p:cNvCxnSpPr>
-          <p:nvPr/>
-        </p:nvCxnSpPr>
-        <p:spPr>
-          <a:xfrm>
-            <a:off x="6966957" y="3685856"/>
-            <a:ext cx="986798" cy="1"/>
-          </a:xfrm>
-          <a:prstGeom prst="straightConnector1">
-            <a:avLst/>
-          </a:prstGeom>
-          <a:ln w="28575">
-            <a:headEnd type="none" w="med" len="med"/>
-            <a:tailEnd type="arrow" w="med" len="med"/>
-          </a:ln>
-        </p:spPr>
-        <p:style>
-          <a:lnRef idx="1">
-            <a:schemeClr val="accent1"/>
-          </a:lnRef>
-          <a:fillRef idx="0">
-            <a:schemeClr val="accent1"/>
-          </a:fillRef>
-          <a:effectRef idx="0">
-            <a:schemeClr val="accent1"/>
-          </a:effectRef>
-          <a:fontRef idx="minor">
-            <a:schemeClr val="tx1"/>
-          </a:fontRef>
-        </p:style>
-      </p:cxnSp>
+              <a:t>Air</a:t>
+            </a:r>
+          </a:p>
+        </p:txBody>
+      </p:sp>
       <p:sp>
         <p:nvSpPr>
           <p:cNvPr id="71" name="TextBox 70">
@@ -11752,8 +11315,8 @@
         </p:nvCxnSpPr>
         <p:spPr>
           <a:xfrm>
-            <a:off x="9848376" y="3248852"/>
-            <a:ext cx="1675856" cy="0"/>
+            <a:off x="10202809" y="3248852"/>
+            <a:ext cx="1321423" cy="0"/>
           </a:xfrm>
           <a:prstGeom prst="straightConnector1">
             <a:avLst/>
@@ -11868,9 +11431,9 @@
           <p:nvPr/>
         </p:nvCxnSpPr>
         <p:spPr>
-          <a:xfrm>
-            <a:off x="9848376" y="4031829"/>
-            <a:ext cx="1675856" cy="1300"/>
+          <a:xfrm flipV="1">
+            <a:off x="10202809" y="4033129"/>
+            <a:ext cx="1321423" cy="5403"/>
           </a:xfrm>
           <a:prstGeom prst="straightConnector1">
             <a:avLst/>
@@ -11909,8 +11472,8 @@
         </p:nvSpPr>
         <p:spPr>
           <a:xfrm>
-            <a:off x="10672582" y="4045236"/>
-            <a:ext cx="1261180" cy="369332"/>
+            <a:off x="10672581" y="4045236"/>
+            <a:ext cx="1393039" cy="369332"/>
           </a:xfrm>
           <a:prstGeom prst="rect">
             <a:avLst/>
@@ -11926,7 +11489,550 @@
             <a:pPr algn="ctr"/>
             <a:r>
               <a:rPr lang="en-US" dirty="0" err="1"/>
-              <a:t>outValid</a:t>
+              <a:t>dataRxReady</a:t>
+            </a:r>
+            <a:endParaRPr lang="en-US" dirty="0"/>
+          </a:p>
+        </p:txBody>
+      </p:sp>
+      <p:sp>
+        <p:nvSpPr>
+          <p:cNvPr id="45" name="Rectangle 44">
+            <a:extLst>
+              <a:ext uri="{FF2B5EF4-FFF2-40B4-BE49-F238E27FC236}">
+                <a16:creationId xmlns:a16="http://schemas.microsoft.com/office/drawing/2014/main" id="{62373462-EBC8-4D69-91DF-957973803AD5}"/>
+              </a:ext>
+            </a:extLst>
+          </p:cNvPr>
+          <p:cNvSpPr/>
+          <p:nvPr/>
+        </p:nvSpPr>
+        <p:spPr>
+          <a:xfrm>
+            <a:off x="3030419" y="2559483"/>
+            <a:ext cx="1266532" cy="792606"/>
+          </a:xfrm>
+          <a:prstGeom prst="rect">
+            <a:avLst/>
+          </a:prstGeom>
+          <a:solidFill>
+            <a:schemeClr val="accent6">
+              <a:lumMod val="75000"/>
+            </a:schemeClr>
+          </a:solidFill>
+        </p:spPr>
+        <p:style>
+          <a:lnRef idx="2">
+            <a:schemeClr val="accent1">
+              <a:shade val="50000"/>
+            </a:schemeClr>
+          </a:lnRef>
+          <a:fillRef idx="1">
+            <a:schemeClr val="accent1"/>
+          </a:fillRef>
+          <a:effectRef idx="0">
+            <a:schemeClr val="accent1"/>
+          </a:effectRef>
+          <a:fontRef idx="minor">
+            <a:schemeClr val="lt1"/>
+          </a:fontRef>
+        </p:style>
+        <p:txBody>
+          <a:bodyPr rtlCol="0" anchor="ctr"/>
+          <a:lstStyle/>
+          <a:p>
+            <a:pPr algn="ctr"/>
+            <a:r>
+              <a:rPr lang="en-US" dirty="0"/>
+              <a:t>TX</a:t>
+            </a:r>
+          </a:p>
+        </p:txBody>
+      </p:sp>
+      <p:sp>
+        <p:nvSpPr>
+          <p:cNvPr id="46" name="Rectangle 45">
+            <a:extLst>
+              <a:ext uri="{FF2B5EF4-FFF2-40B4-BE49-F238E27FC236}">
+                <a16:creationId xmlns:a16="http://schemas.microsoft.com/office/drawing/2014/main" id="{3B05BEED-F5E6-4A5E-A6B0-6C092666A955}"/>
+              </a:ext>
+            </a:extLst>
+          </p:cNvPr>
+          <p:cNvSpPr/>
+          <p:nvPr/>
+        </p:nvSpPr>
+        <p:spPr>
+          <a:xfrm>
+            <a:off x="3030419" y="3896776"/>
+            <a:ext cx="1266532" cy="792606"/>
+          </a:xfrm>
+          <a:prstGeom prst="rect">
+            <a:avLst/>
+          </a:prstGeom>
+          <a:solidFill>
+            <a:schemeClr val="accent6">
+              <a:lumMod val="75000"/>
+            </a:schemeClr>
+          </a:solidFill>
+        </p:spPr>
+        <p:style>
+          <a:lnRef idx="2">
+            <a:schemeClr val="accent1">
+              <a:shade val="50000"/>
+            </a:schemeClr>
+          </a:lnRef>
+          <a:fillRef idx="1">
+            <a:schemeClr val="accent1"/>
+          </a:fillRef>
+          <a:effectRef idx="0">
+            <a:schemeClr val="accent1"/>
+          </a:effectRef>
+          <a:fontRef idx="minor">
+            <a:schemeClr val="lt1"/>
+          </a:fontRef>
+        </p:style>
+        <p:txBody>
+          <a:bodyPr rtlCol="0" anchor="ctr"/>
+          <a:lstStyle/>
+          <a:p>
+            <a:pPr algn="ctr"/>
+            <a:r>
+              <a:rPr lang="en-US" dirty="0"/>
+              <a:t>RX</a:t>
+            </a:r>
+          </a:p>
+        </p:txBody>
+      </p:sp>
+      <p:cxnSp>
+        <p:nvCxnSpPr>
+          <p:cNvPr id="48" name="Straight Arrow Connector 47">
+            <a:extLst>
+              <a:ext uri="{FF2B5EF4-FFF2-40B4-BE49-F238E27FC236}">
+                <a16:creationId xmlns:a16="http://schemas.microsoft.com/office/drawing/2014/main" id="{C9AF930A-6EA6-403E-9C16-A363C4286C86}"/>
+              </a:ext>
+            </a:extLst>
+          </p:cNvPr>
+          <p:cNvCxnSpPr>
+            <a:cxnSpLocks/>
+            <a:endCxn id="4" idx="0"/>
+          </p:cNvCxnSpPr>
+          <p:nvPr/>
+        </p:nvCxnSpPr>
+        <p:spPr>
+          <a:xfrm flipH="1">
+            <a:off x="3634865" y="1571700"/>
+            <a:ext cx="4292" cy="644585"/>
+          </a:xfrm>
+          <a:prstGeom prst="straightConnector1">
+            <a:avLst/>
+          </a:prstGeom>
+          <a:ln w="28575">
+            <a:headEnd type="none" w="med" len="med"/>
+            <a:tailEnd type="arrow" w="med" len="med"/>
+          </a:ln>
+        </p:spPr>
+        <p:style>
+          <a:lnRef idx="1">
+            <a:schemeClr val="accent1"/>
+          </a:lnRef>
+          <a:fillRef idx="0">
+            <a:schemeClr val="accent1"/>
+          </a:fillRef>
+          <a:effectRef idx="0">
+            <a:schemeClr val="accent1"/>
+          </a:effectRef>
+          <a:fontRef idx="minor">
+            <a:schemeClr val="tx1"/>
+          </a:fontRef>
+        </p:style>
+      </p:cxnSp>
+      <p:sp>
+        <p:nvSpPr>
+          <p:cNvPr id="49" name="TextBox 48">
+            <a:extLst>
+              <a:ext uri="{FF2B5EF4-FFF2-40B4-BE49-F238E27FC236}">
+                <a16:creationId xmlns:a16="http://schemas.microsoft.com/office/drawing/2014/main" id="{1DDEC291-6F03-4A48-A31F-BC8ACF46ACA1}"/>
+              </a:ext>
+            </a:extLst>
+          </p:cNvPr>
+          <p:cNvSpPr txBox="1"/>
+          <p:nvPr/>
+        </p:nvSpPr>
+        <p:spPr>
+          <a:xfrm>
+            <a:off x="2987594" y="1224400"/>
+            <a:ext cx="1346714" cy="369332"/>
+          </a:xfrm>
+          <a:prstGeom prst="rect">
+            <a:avLst/>
+          </a:prstGeom>
+          <a:noFill/>
+        </p:spPr>
+        <p:txBody>
+          <a:bodyPr wrap="square" rtlCol="0">
+            <a:spAutoFit/>
+          </a:bodyPr>
+          <a:lstStyle/>
+          <a:p>
+            <a:pPr algn="ctr"/>
+            <a:r>
+              <a:rPr lang="en-US" dirty="0"/>
+              <a:t>Tx enabled</a:t>
+            </a:r>
+          </a:p>
+        </p:txBody>
+      </p:sp>
+      <p:sp>
+        <p:nvSpPr>
+          <p:cNvPr id="58" name="Rectangle 57">
+            <a:extLst>
+              <a:ext uri="{FF2B5EF4-FFF2-40B4-BE49-F238E27FC236}">
+                <a16:creationId xmlns:a16="http://schemas.microsoft.com/office/drawing/2014/main" id="{A4E011D2-2E96-4C2E-AC77-9ADC2D2C5F0D}"/>
+              </a:ext>
+            </a:extLst>
+          </p:cNvPr>
+          <p:cNvSpPr/>
+          <p:nvPr/>
+        </p:nvSpPr>
+        <p:spPr>
+          <a:xfrm>
+            <a:off x="7951552" y="2216285"/>
+            <a:ext cx="2251257" cy="2939143"/>
+          </a:xfrm>
+          <a:prstGeom prst="rect">
+            <a:avLst/>
+          </a:prstGeom>
+          <a:noFill/>
+          <a:ln w="28575"/>
+        </p:spPr>
+        <p:style>
+          <a:lnRef idx="2">
+            <a:schemeClr val="accent1">
+              <a:shade val="50000"/>
+            </a:schemeClr>
+          </a:lnRef>
+          <a:fillRef idx="1">
+            <a:schemeClr val="accent1"/>
+          </a:fillRef>
+          <a:effectRef idx="0">
+            <a:schemeClr val="accent1"/>
+          </a:effectRef>
+          <a:fontRef idx="minor">
+            <a:schemeClr val="lt1"/>
+          </a:fontRef>
+        </p:style>
+        <p:txBody>
+          <a:bodyPr rtlCol="0" anchor="ctr"/>
+          <a:lstStyle/>
+          <a:p>
+            <a:pPr algn="ctr"/>
+            <a:endParaRPr lang="en-US" dirty="0">
+              <a:solidFill>
+                <a:schemeClr val="tx1"/>
+              </a:solidFill>
+            </a:endParaRPr>
+          </a:p>
+        </p:txBody>
+      </p:sp>
+      <p:sp>
+        <p:nvSpPr>
+          <p:cNvPr id="59" name="Rectangle 58">
+            <a:extLst>
+              <a:ext uri="{FF2B5EF4-FFF2-40B4-BE49-F238E27FC236}">
+                <a16:creationId xmlns:a16="http://schemas.microsoft.com/office/drawing/2014/main" id="{C54FC17C-CD69-439C-B308-29DBD5EA81A1}"/>
+              </a:ext>
+            </a:extLst>
+          </p:cNvPr>
+          <p:cNvSpPr/>
+          <p:nvPr/>
+        </p:nvSpPr>
+        <p:spPr>
+          <a:xfrm>
+            <a:off x="8472735" y="2559483"/>
+            <a:ext cx="1266532" cy="792606"/>
+          </a:xfrm>
+          <a:prstGeom prst="rect">
+            <a:avLst/>
+          </a:prstGeom>
+          <a:solidFill>
+            <a:schemeClr val="accent6">
+              <a:lumMod val="75000"/>
+            </a:schemeClr>
+          </a:solidFill>
+        </p:spPr>
+        <p:style>
+          <a:lnRef idx="2">
+            <a:schemeClr val="accent1">
+              <a:shade val="50000"/>
+            </a:schemeClr>
+          </a:lnRef>
+          <a:fillRef idx="1">
+            <a:schemeClr val="accent1"/>
+          </a:fillRef>
+          <a:effectRef idx="0">
+            <a:schemeClr val="accent1"/>
+          </a:effectRef>
+          <a:fontRef idx="minor">
+            <a:schemeClr val="lt1"/>
+          </a:fontRef>
+        </p:style>
+        <p:txBody>
+          <a:bodyPr rtlCol="0" anchor="ctr"/>
+          <a:lstStyle/>
+          <a:p>
+            <a:pPr algn="ctr"/>
+            <a:r>
+              <a:rPr lang="en-US" dirty="0"/>
+              <a:t>TX</a:t>
+            </a:r>
+          </a:p>
+        </p:txBody>
+      </p:sp>
+      <p:sp>
+        <p:nvSpPr>
+          <p:cNvPr id="60" name="Rectangle 59">
+            <a:extLst>
+              <a:ext uri="{FF2B5EF4-FFF2-40B4-BE49-F238E27FC236}">
+                <a16:creationId xmlns:a16="http://schemas.microsoft.com/office/drawing/2014/main" id="{9DECC221-DDA1-4184-8807-4B5720975435}"/>
+              </a:ext>
+            </a:extLst>
+          </p:cNvPr>
+          <p:cNvSpPr/>
+          <p:nvPr/>
+        </p:nvSpPr>
+        <p:spPr>
+          <a:xfrm>
+            <a:off x="8472735" y="3896776"/>
+            <a:ext cx="1266532" cy="792606"/>
+          </a:xfrm>
+          <a:prstGeom prst="rect">
+            <a:avLst/>
+          </a:prstGeom>
+          <a:solidFill>
+            <a:schemeClr val="accent6">
+              <a:lumMod val="75000"/>
+            </a:schemeClr>
+          </a:solidFill>
+        </p:spPr>
+        <p:style>
+          <a:lnRef idx="2">
+            <a:schemeClr val="accent1">
+              <a:shade val="50000"/>
+            </a:schemeClr>
+          </a:lnRef>
+          <a:fillRef idx="1">
+            <a:schemeClr val="accent1"/>
+          </a:fillRef>
+          <a:effectRef idx="0">
+            <a:schemeClr val="accent1"/>
+          </a:effectRef>
+          <a:fontRef idx="minor">
+            <a:schemeClr val="lt1"/>
+          </a:fontRef>
+        </p:style>
+        <p:txBody>
+          <a:bodyPr rtlCol="0" anchor="ctr"/>
+          <a:lstStyle/>
+          <a:p>
+            <a:pPr algn="ctr"/>
+            <a:r>
+              <a:rPr lang="en-US" dirty="0"/>
+              <a:t>RX</a:t>
+            </a:r>
+          </a:p>
+        </p:txBody>
+      </p:sp>
+      <p:cxnSp>
+        <p:nvCxnSpPr>
+          <p:cNvPr id="61" name="Straight Arrow Connector 60">
+            <a:extLst>
+              <a:ext uri="{FF2B5EF4-FFF2-40B4-BE49-F238E27FC236}">
+                <a16:creationId xmlns:a16="http://schemas.microsoft.com/office/drawing/2014/main" id="{8000824A-83EF-4AA8-BDB7-9A75071B0DEA}"/>
+              </a:ext>
+            </a:extLst>
+          </p:cNvPr>
+          <p:cNvCxnSpPr>
+            <a:cxnSpLocks/>
+            <a:stCxn id="103" idx="3"/>
+            <a:endCxn id="58" idx="1"/>
+          </p:cNvCxnSpPr>
+          <p:nvPr/>
+        </p:nvCxnSpPr>
+        <p:spPr>
+          <a:xfrm>
+            <a:off x="6966957" y="3685856"/>
+            <a:ext cx="984595" cy="1"/>
+          </a:xfrm>
+          <a:prstGeom prst="straightConnector1">
+            <a:avLst/>
+          </a:prstGeom>
+          <a:ln w="28575">
+            <a:headEnd type="none" w="med" len="med"/>
+            <a:tailEnd type="arrow" w="med" len="med"/>
+          </a:ln>
+        </p:spPr>
+        <p:style>
+          <a:lnRef idx="1">
+            <a:schemeClr val="accent1"/>
+          </a:lnRef>
+          <a:fillRef idx="0">
+            <a:schemeClr val="accent1"/>
+          </a:fillRef>
+          <a:effectRef idx="0">
+            <a:schemeClr val="accent1"/>
+          </a:effectRef>
+          <a:fontRef idx="minor">
+            <a:schemeClr val="tx1"/>
+          </a:fontRef>
+        </p:style>
+      </p:cxnSp>
+      <p:cxnSp>
+        <p:nvCxnSpPr>
+          <p:cNvPr id="62" name="Straight Arrow Connector 61">
+            <a:extLst>
+              <a:ext uri="{FF2B5EF4-FFF2-40B4-BE49-F238E27FC236}">
+                <a16:creationId xmlns:a16="http://schemas.microsoft.com/office/drawing/2014/main" id="{C42CE55F-C630-4384-8F7D-CE555285D6DA}"/>
+              </a:ext>
+            </a:extLst>
+          </p:cNvPr>
+          <p:cNvCxnSpPr>
+            <a:cxnSpLocks/>
+          </p:cNvCxnSpPr>
+          <p:nvPr/>
+        </p:nvCxnSpPr>
+        <p:spPr>
+          <a:xfrm flipH="1">
+            <a:off x="9120006" y="1583120"/>
+            <a:ext cx="4292" cy="644585"/>
+          </a:xfrm>
+          <a:prstGeom prst="straightConnector1">
+            <a:avLst/>
+          </a:prstGeom>
+          <a:ln w="28575">
+            <a:headEnd type="none" w="med" len="med"/>
+            <a:tailEnd type="arrow" w="med" len="med"/>
+          </a:ln>
+        </p:spPr>
+        <p:style>
+          <a:lnRef idx="1">
+            <a:schemeClr val="accent1"/>
+          </a:lnRef>
+          <a:fillRef idx="0">
+            <a:schemeClr val="accent1"/>
+          </a:fillRef>
+          <a:effectRef idx="0">
+            <a:schemeClr val="accent1"/>
+          </a:effectRef>
+          <a:fontRef idx="minor">
+            <a:schemeClr val="tx1"/>
+          </a:fontRef>
+        </p:style>
+      </p:cxnSp>
+      <p:sp>
+        <p:nvSpPr>
+          <p:cNvPr id="63" name="TextBox 62">
+            <a:extLst>
+              <a:ext uri="{FF2B5EF4-FFF2-40B4-BE49-F238E27FC236}">
+                <a16:creationId xmlns:a16="http://schemas.microsoft.com/office/drawing/2014/main" id="{E5C289D1-D756-4401-82B3-AC24F97C8629}"/>
+              </a:ext>
+            </a:extLst>
+          </p:cNvPr>
+          <p:cNvSpPr txBox="1"/>
+          <p:nvPr/>
+        </p:nvSpPr>
+        <p:spPr>
+          <a:xfrm>
+            <a:off x="8472735" y="1235820"/>
+            <a:ext cx="1346714" cy="369332"/>
+          </a:xfrm>
+          <a:prstGeom prst="rect">
+            <a:avLst/>
+          </a:prstGeom>
+          <a:noFill/>
+        </p:spPr>
+        <p:txBody>
+          <a:bodyPr wrap="square" rtlCol="0">
+            <a:spAutoFit/>
+          </a:bodyPr>
+          <a:lstStyle/>
+          <a:p>
+            <a:pPr algn="ctr"/>
+            <a:r>
+              <a:rPr lang="en-US" dirty="0"/>
+              <a:t>Rx enabled</a:t>
+            </a:r>
+          </a:p>
+        </p:txBody>
+      </p:sp>
+      <p:sp>
+        <p:nvSpPr>
+          <p:cNvPr id="64" name="TextBox 63">
+            <a:extLst>
+              <a:ext uri="{FF2B5EF4-FFF2-40B4-BE49-F238E27FC236}">
+                <a16:creationId xmlns:a16="http://schemas.microsoft.com/office/drawing/2014/main" id="{4111A6D0-2855-4A4E-AF58-22872BD1D73E}"/>
+              </a:ext>
+            </a:extLst>
+          </p:cNvPr>
+          <p:cNvSpPr txBox="1"/>
+          <p:nvPr/>
+        </p:nvSpPr>
+        <p:spPr>
+          <a:xfrm>
+            <a:off x="3007985" y="3430921"/>
+            <a:ext cx="1346714" cy="369332"/>
+          </a:xfrm>
+          <a:prstGeom prst="rect">
+            <a:avLst/>
+          </a:prstGeom>
+          <a:noFill/>
+        </p:spPr>
+        <p:txBody>
+          <a:bodyPr wrap="square" rtlCol="0">
+            <a:spAutoFit/>
+          </a:bodyPr>
+          <a:lstStyle/>
+          <a:p>
+            <a:pPr algn="ctr"/>
+            <a:r>
+              <a:rPr lang="en-US" dirty="0" err="1"/>
+              <a:t>TopControl</a:t>
+            </a:r>
+            <a:endParaRPr lang="en-US" dirty="0"/>
+          </a:p>
+        </p:txBody>
+      </p:sp>
+      <p:sp>
+        <p:nvSpPr>
+          <p:cNvPr id="65" name="TextBox 64">
+            <a:extLst>
+              <a:ext uri="{FF2B5EF4-FFF2-40B4-BE49-F238E27FC236}">
+                <a16:creationId xmlns:a16="http://schemas.microsoft.com/office/drawing/2014/main" id="{C80B0B4F-20A1-423A-8534-D440BEAD27C1}"/>
+              </a:ext>
+            </a:extLst>
+          </p:cNvPr>
+          <p:cNvSpPr txBox="1"/>
+          <p:nvPr/>
+        </p:nvSpPr>
+        <p:spPr>
+          <a:xfrm>
+            <a:off x="8483554" y="3439766"/>
+            <a:ext cx="1346714" cy="369332"/>
+          </a:xfrm>
+          <a:prstGeom prst="rect">
+            <a:avLst/>
+          </a:prstGeom>
+          <a:noFill/>
+        </p:spPr>
+        <p:txBody>
+          <a:bodyPr wrap="square" rtlCol="0">
+            <a:spAutoFit/>
+          </a:bodyPr>
+          <a:lstStyle/>
+          <a:p>
+            <a:pPr algn="ctr"/>
+            <a:r>
+              <a:rPr lang="en-US" dirty="0" err="1"/>
+              <a:t>TopControl</a:t>
             </a:r>
             <a:endParaRPr lang="en-US" dirty="0"/>
           </a:p>

--- a/OOKTRx_slides.pptx
+++ b/OOKTRx_slides.pptx
@@ -8075,6 +8075,85 @@
           </a:prstGeom>
         </p:spPr>
       </p:pic>
+      <p:cxnSp>
+        <p:nvCxnSpPr>
+          <p:cNvPr id="44" name="Straight Arrow Connector 43">
+            <a:extLst>
+              <a:ext uri="{FF2B5EF4-FFF2-40B4-BE49-F238E27FC236}">
+                <a16:creationId xmlns:a16="http://schemas.microsoft.com/office/drawing/2014/main" id="{A0D78A10-32B6-475E-A070-6AF8DFEC44F1}"/>
+              </a:ext>
+            </a:extLst>
+          </p:cNvPr>
+          <p:cNvCxnSpPr>
+            <a:cxnSpLocks/>
+          </p:cNvCxnSpPr>
+          <p:nvPr/>
+        </p:nvCxnSpPr>
+        <p:spPr>
+          <a:xfrm>
+            <a:off x="6074225" y="1404609"/>
+            <a:ext cx="0" cy="507107"/>
+          </a:xfrm>
+          <a:prstGeom prst="straightConnector1">
+            <a:avLst/>
+          </a:prstGeom>
+          <a:ln w="28575">
+            <a:headEnd type="none" w="med" len="med"/>
+            <a:tailEnd type="arrow" w="med" len="med"/>
+          </a:ln>
+        </p:spPr>
+        <p:style>
+          <a:lnRef idx="1">
+            <a:schemeClr val="accent1"/>
+          </a:lnRef>
+          <a:fillRef idx="0">
+            <a:schemeClr val="accent1"/>
+          </a:fillRef>
+          <a:effectRef idx="0">
+            <a:schemeClr val="accent1"/>
+          </a:effectRef>
+          <a:fontRef idx="minor">
+            <a:schemeClr val="tx1"/>
+          </a:fontRef>
+        </p:style>
+      </p:cxnSp>
+      <p:sp>
+        <p:nvSpPr>
+          <p:cNvPr id="50" name="TextBox 49">
+            <a:extLst>
+              <a:ext uri="{FF2B5EF4-FFF2-40B4-BE49-F238E27FC236}">
+                <a16:creationId xmlns:a16="http://schemas.microsoft.com/office/drawing/2014/main" id="{E1177637-D1E7-446F-8F3C-ADB342138EF7}"/>
+              </a:ext>
+            </a:extLst>
+          </p:cNvPr>
+          <p:cNvSpPr txBox="1"/>
+          <p:nvPr/>
+        </p:nvSpPr>
+        <p:spPr>
+          <a:xfrm>
+            <a:off x="5530639" y="1046701"/>
+            <a:ext cx="1147669" cy="369332"/>
+          </a:xfrm>
+          <a:prstGeom prst="rect">
+            <a:avLst/>
+          </a:prstGeom>
+          <a:noFill/>
+        </p:spPr>
+        <p:txBody>
+          <a:bodyPr wrap="square" rtlCol="0">
+            <a:spAutoFit/>
+          </a:bodyPr>
+          <a:lstStyle/>
+          <a:p>
+            <a:pPr algn="ctr"/>
+            <a:r>
+              <a:rPr lang="en-US" dirty="0" err="1"/>
+              <a:t>RxEn</a:t>
+            </a:r>
+            <a:endParaRPr lang="en-US" dirty="0"/>
+          </a:p>
+        </p:txBody>
+      </p:sp>
     </p:spTree>
     <p:extLst>
       <p:ext uri="{BB962C8B-B14F-4D97-AF65-F5344CB8AC3E}">
@@ -8119,7 +8198,7 @@
         </p:nvSpPr>
         <p:spPr>
           <a:xfrm>
-            <a:off x="1446245" y="2226728"/>
+            <a:off x="2667992" y="2246505"/>
             <a:ext cx="1250301" cy="2939143"/>
           </a:xfrm>
           <a:prstGeom prst="rect">
@@ -8161,10 +8240,10 @@
       </p:sp>
       <p:sp>
         <p:nvSpPr>
-          <p:cNvPr id="5" name="Rectangle 4">
-            <a:extLst>
-              <a:ext uri="{FF2B5EF4-FFF2-40B4-BE49-F238E27FC236}">
-                <a16:creationId xmlns:a16="http://schemas.microsoft.com/office/drawing/2014/main" id="{10E099F5-27E0-4DF5-A6B8-9AD5D02A3734}"/>
+          <p:cNvPr id="6" name="Rectangle 5">
+            <a:extLst>
+              <a:ext uri="{FF2B5EF4-FFF2-40B4-BE49-F238E27FC236}">
+                <a16:creationId xmlns:a16="http://schemas.microsoft.com/office/drawing/2014/main" id="{F772B6D3-E17D-42AD-BB63-37E0144CCF8D}"/>
               </a:ext>
             </a:extLst>
           </p:cNvPr>
@@ -8173,7 +8252,7 @@
         </p:nvSpPr>
         <p:spPr>
           <a:xfrm>
-            <a:off x="4192557" y="2236075"/>
+            <a:off x="5401296" y="2271582"/>
             <a:ext cx="1250301" cy="2939143"/>
           </a:xfrm>
           <a:prstGeom prst="rect">
@@ -8208,17 +8287,17 @@
             <a:pPr algn="ctr"/>
             <a:r>
               <a:rPr lang="en-US" dirty="0"/>
-              <a:t>Frame Prepare</a:t>
-            </a:r>
-          </a:p>
-        </p:txBody>
-      </p:sp>
-      <p:sp>
-        <p:nvSpPr>
-          <p:cNvPr id="6" name="Rectangle 5">
-            <a:extLst>
-              <a:ext uri="{FF2B5EF4-FFF2-40B4-BE49-F238E27FC236}">
-                <a16:creationId xmlns:a16="http://schemas.microsoft.com/office/drawing/2014/main" id="{F772B6D3-E17D-42AD-BB63-37E0144CCF8D}"/>
+              <a:t>Frame Stack Tx</a:t>
+            </a:r>
+          </a:p>
+        </p:txBody>
+      </p:sp>
+      <p:sp>
+        <p:nvSpPr>
+          <p:cNvPr id="28" name="Rectangle 27">
+            <a:extLst>
+              <a:ext uri="{FF2B5EF4-FFF2-40B4-BE49-F238E27FC236}">
+                <a16:creationId xmlns:a16="http://schemas.microsoft.com/office/drawing/2014/main" id="{D323CABD-DBD5-4614-86D8-88015F09242C}"/>
               </a:ext>
             </a:extLst>
           </p:cNvPr>
@@ -8227,62 +8306,8 @@
         </p:nvSpPr>
         <p:spPr>
           <a:xfrm>
-            <a:off x="6937308" y="2226727"/>
-            <a:ext cx="1250301" cy="2939143"/>
-          </a:xfrm>
-          <a:prstGeom prst="rect">
-            <a:avLst/>
-          </a:prstGeom>
-          <a:solidFill>
-            <a:schemeClr val="accent6">
-              <a:lumMod val="75000"/>
-            </a:schemeClr>
-          </a:solidFill>
-        </p:spPr>
-        <p:style>
-          <a:lnRef idx="2">
-            <a:schemeClr val="accent1">
-              <a:shade val="50000"/>
-            </a:schemeClr>
-          </a:lnRef>
-          <a:fillRef idx="1">
-            <a:schemeClr val="accent1"/>
-          </a:fillRef>
-          <a:effectRef idx="0">
-            <a:schemeClr val="accent1"/>
-          </a:effectRef>
-          <a:fontRef idx="minor">
-            <a:schemeClr val="lt1"/>
-          </a:fontRef>
-        </p:style>
-        <p:txBody>
-          <a:bodyPr rtlCol="0" anchor="ctr"/>
-          <a:lstStyle/>
-          <a:p>
-            <a:pPr algn="ctr"/>
-            <a:r>
-              <a:rPr lang="en-US" dirty="0"/>
-              <a:t>Frame Stack Tx</a:t>
-            </a:r>
-          </a:p>
-        </p:txBody>
-      </p:sp>
-      <p:sp>
-        <p:nvSpPr>
-          <p:cNvPr id="28" name="Rectangle 27">
-            <a:extLst>
-              <a:ext uri="{FF2B5EF4-FFF2-40B4-BE49-F238E27FC236}">
-                <a16:creationId xmlns:a16="http://schemas.microsoft.com/office/drawing/2014/main" id="{D323CABD-DBD5-4614-86D8-88015F09242C}"/>
-              </a:ext>
-            </a:extLst>
-          </p:cNvPr>
-          <p:cNvSpPr/>
-          <p:nvPr/>
-        </p:nvSpPr>
-        <p:spPr>
-          <a:xfrm>
-            <a:off x="1184989" y="1860327"/>
-            <a:ext cx="9965094" cy="3576131"/>
+            <a:off x="2276107" y="1860327"/>
+            <a:ext cx="7613029" cy="3576131"/>
           </a:xfrm>
           <a:prstGeom prst="rect">
             <a:avLst/>
@@ -8338,7 +8363,7 @@
         </p:nvCxnSpPr>
         <p:spPr>
           <a:xfrm>
-            <a:off x="2080026" y="1189038"/>
+            <a:off x="2915863" y="1224338"/>
             <a:ext cx="0" cy="1032884"/>
           </a:xfrm>
           <a:prstGeom prst="straightConnector1">
@@ -8378,7 +8403,7 @@
         </p:nvSpPr>
         <p:spPr>
           <a:xfrm>
-            <a:off x="1536440" y="831130"/>
+            <a:off x="2079999" y="868453"/>
             <a:ext cx="1147669" cy="369332"/>
           </a:xfrm>
           <a:prstGeom prst="rect">
@@ -8416,7 +8441,7 @@
         </p:nvCxnSpPr>
         <p:spPr>
           <a:xfrm>
-            <a:off x="1957872" y="1486042"/>
+            <a:off x="2793709" y="1521342"/>
             <a:ext cx="227045" cy="324625"/>
           </a:xfrm>
           <a:prstGeom prst="line">
@@ -8453,7 +8478,7 @@
         </p:nvSpPr>
         <p:spPr>
           <a:xfrm>
-            <a:off x="1932198" y="1386242"/>
+            <a:off x="2768035" y="1421542"/>
             <a:ext cx="575853" cy="369332"/>
           </a:xfrm>
           <a:prstGeom prst="rect">
@@ -8486,13 +8511,14 @@
           </p:cNvPr>
           <p:cNvCxnSpPr>
             <a:cxnSpLocks/>
+            <a:endCxn id="103" idx="1"/>
           </p:cNvCxnSpPr>
           <p:nvPr/>
         </p:nvCxnSpPr>
         <p:spPr>
-          <a:xfrm>
-            <a:off x="10936339" y="3696298"/>
-            <a:ext cx="512322" cy="0"/>
+          <a:xfrm flipV="1">
+            <a:off x="9389407" y="3724949"/>
+            <a:ext cx="749278" cy="5758"/>
           </a:xfrm>
           <a:prstGeom prst="straightConnector1">
             <a:avLst/>
@@ -8531,7 +8557,7 @@
         </p:nvSpPr>
         <p:spPr>
           <a:xfrm>
-            <a:off x="10758208" y="3316525"/>
+            <a:off x="9343629" y="3361375"/>
             <a:ext cx="756549" cy="369332"/>
           </a:xfrm>
           <a:prstGeom prst="rect">
@@ -8567,7 +8593,7 @@
         </p:nvSpPr>
         <p:spPr>
           <a:xfrm>
-            <a:off x="-206819" y="2563422"/>
+            <a:off x="781429" y="2741247"/>
             <a:ext cx="1261180" cy="369332"/>
           </a:xfrm>
           <a:prstGeom prst="rect">
@@ -8603,7 +8629,7 @@
         </p:nvSpPr>
         <p:spPr>
           <a:xfrm>
-            <a:off x="9686038" y="2246505"/>
+            <a:off x="8139106" y="2271582"/>
             <a:ext cx="1250301" cy="2939143"/>
           </a:xfrm>
           <a:prstGeom prst="rect">
@@ -8659,7 +8685,7 @@
         </p:nvCxnSpPr>
         <p:spPr>
           <a:xfrm>
-            <a:off x="485276" y="2921858"/>
+            <a:off x="1707023" y="2941635"/>
             <a:ext cx="960969" cy="0"/>
           </a:xfrm>
           <a:prstGeom prst="straightConnector1">
@@ -8701,7 +8727,7 @@
         </p:nvCxnSpPr>
         <p:spPr>
           <a:xfrm>
-            <a:off x="887972" y="2739969"/>
+            <a:off x="2036184" y="2767418"/>
             <a:ext cx="227045" cy="324625"/>
           </a:xfrm>
           <a:prstGeom prst="line">
@@ -8738,7 +8764,7 @@
         </p:nvSpPr>
         <p:spPr>
           <a:xfrm>
-            <a:off x="585496" y="2879928"/>
+            <a:off x="1807243" y="2899705"/>
             <a:ext cx="599493" cy="369332"/>
           </a:xfrm>
           <a:prstGeom prst="rect">
@@ -8776,7 +8802,7 @@
         </p:nvCxnSpPr>
         <p:spPr>
           <a:xfrm>
-            <a:off x="485276" y="3674962"/>
+            <a:off x="1707023" y="3694739"/>
             <a:ext cx="960969" cy="0"/>
           </a:xfrm>
           <a:prstGeom prst="straightConnector1">
@@ -8816,7 +8842,7 @@
         </p:nvSpPr>
         <p:spPr>
           <a:xfrm>
-            <a:off x="-31097" y="3316525"/>
+            <a:off x="576704" y="3460922"/>
             <a:ext cx="1261180" cy="369332"/>
           </a:xfrm>
           <a:prstGeom prst="rect">
@@ -8855,7 +8881,7 @@
         </p:nvCxnSpPr>
         <p:spPr>
           <a:xfrm flipH="1">
-            <a:off x="498798" y="4480068"/>
+            <a:off x="1720545" y="4499845"/>
             <a:ext cx="933924" cy="0"/>
           </a:xfrm>
           <a:prstGeom prst="straightConnector1">
@@ -8895,7 +8921,7 @@
         </p:nvSpPr>
         <p:spPr>
           <a:xfrm>
-            <a:off x="-31097" y="4099842"/>
+            <a:off x="381227" y="4263177"/>
             <a:ext cx="1346714" cy="369332"/>
           </a:xfrm>
           <a:prstGeom prst="rect">
@@ -8918,48 +8944,12 @@
           </a:p>
         </p:txBody>
       </p:sp>
-      <p:sp>
-        <p:nvSpPr>
-          <p:cNvPr id="58" name="TextBox 57">
-            <a:extLst>
-              <a:ext uri="{FF2B5EF4-FFF2-40B4-BE49-F238E27FC236}">
-                <a16:creationId xmlns:a16="http://schemas.microsoft.com/office/drawing/2014/main" id="{7CC31F37-991B-482D-93D6-A3CA283EEF9B}"/>
-              </a:ext>
-            </a:extLst>
-          </p:cNvPr>
-          <p:cNvSpPr txBox="1"/>
-          <p:nvPr/>
-        </p:nvSpPr>
-        <p:spPr>
-          <a:xfrm>
-            <a:off x="3237719" y="2521013"/>
-            <a:ext cx="1261180" cy="369332"/>
-          </a:xfrm>
-          <a:prstGeom prst="rect">
-            <a:avLst/>
-          </a:prstGeom>
-          <a:noFill/>
-        </p:spPr>
-        <p:txBody>
-          <a:bodyPr wrap="square" rtlCol="0">
-            <a:spAutoFit/>
-          </a:bodyPr>
-          <a:lstStyle/>
-          <a:p>
-            <a:pPr algn="ctr"/>
-            <a:r>
-              <a:rPr lang="en-US" dirty="0"/>
-              <a:t>data</a:t>
-            </a:r>
-          </a:p>
-        </p:txBody>
-      </p:sp>
       <p:cxnSp>
         <p:nvCxnSpPr>
-          <p:cNvPr id="59" name="Straight Arrow Connector 58">
-            <a:extLst>
-              <a:ext uri="{FF2B5EF4-FFF2-40B4-BE49-F238E27FC236}">
-                <a16:creationId xmlns:a16="http://schemas.microsoft.com/office/drawing/2014/main" id="{13806DB7-9CB4-40F3-A72E-8D08DBE077D1}"/>
+          <p:cNvPr id="66" name="Straight Arrow Connector 65">
+            <a:extLst>
+              <a:ext uri="{FF2B5EF4-FFF2-40B4-BE49-F238E27FC236}">
+                <a16:creationId xmlns:a16="http://schemas.microsoft.com/office/drawing/2014/main" id="{D3A03330-E976-4424-A6A9-389B2E46974A}"/>
               </a:ext>
             </a:extLst>
           </p:cNvPr>
@@ -8969,9 +8959,9 @@
           <p:nvPr/>
         </p:nvCxnSpPr>
         <p:spPr>
-          <a:xfrm>
-            <a:off x="2696546" y="2919187"/>
-            <a:ext cx="1496011" cy="2671"/>
+          <a:xfrm flipH="1">
+            <a:off x="3900667" y="4523812"/>
+            <a:ext cx="1537259" cy="0"/>
           </a:xfrm>
           <a:prstGeom prst="straightConnector1">
             <a:avLst/>
@@ -8996,12 +8986,49 @@
           </a:fontRef>
         </p:style>
       </p:cxnSp>
+      <p:sp>
+        <p:nvSpPr>
+          <p:cNvPr id="67" name="TextBox 66">
+            <a:extLst>
+              <a:ext uri="{FF2B5EF4-FFF2-40B4-BE49-F238E27FC236}">
+                <a16:creationId xmlns:a16="http://schemas.microsoft.com/office/drawing/2014/main" id="{C184362C-0826-4735-A2FF-058A8A5C4E99}"/>
+              </a:ext>
+            </a:extLst>
+          </p:cNvPr>
+          <p:cNvSpPr txBox="1"/>
+          <p:nvPr/>
+        </p:nvSpPr>
+        <p:spPr>
+          <a:xfrm>
+            <a:off x="3824810" y="4143586"/>
+            <a:ext cx="1552688" cy="369332"/>
+          </a:xfrm>
+          <a:prstGeom prst="rect">
+            <a:avLst/>
+          </a:prstGeom>
+          <a:noFill/>
+        </p:spPr>
+        <p:txBody>
+          <a:bodyPr wrap="square" rtlCol="0">
+            <a:spAutoFit/>
+          </a:bodyPr>
+          <a:lstStyle/>
+          <a:p>
+            <a:pPr algn="ctr"/>
+            <a:r>
+              <a:rPr lang="en-US" dirty="0" err="1"/>
+              <a:t>requestFrame</a:t>
+            </a:r>
+            <a:endParaRPr lang="en-US" dirty="0"/>
+          </a:p>
+        </p:txBody>
+      </p:sp>
       <p:cxnSp>
         <p:nvCxnSpPr>
-          <p:cNvPr id="60" name="Straight Connector 59">
-            <a:extLst>
-              <a:ext uri="{FF2B5EF4-FFF2-40B4-BE49-F238E27FC236}">
-                <a16:creationId xmlns:a16="http://schemas.microsoft.com/office/drawing/2014/main" id="{13539D31-E2E5-4081-B0F3-901A2FAF4456}"/>
+          <p:cNvPr id="68" name="Straight Arrow Connector 67">
+            <a:extLst>
+              <a:ext uri="{FF2B5EF4-FFF2-40B4-BE49-F238E27FC236}">
+                <a16:creationId xmlns:a16="http://schemas.microsoft.com/office/drawing/2014/main" id="{68EDAD10-1CCB-4228-AD41-E8DE2BBE2CF2}"/>
               </a:ext>
             </a:extLst>
           </p:cNvPr>
@@ -9011,14 +9038,17 @@
           <p:nvPr/>
         </p:nvCxnSpPr>
         <p:spPr>
-          <a:xfrm>
-            <a:off x="3425894" y="2731850"/>
-            <a:ext cx="227045" cy="324625"/>
-          </a:xfrm>
-          <a:prstGeom prst="line">
-            <a:avLst/>
-          </a:prstGeom>
-          <a:ln w="28575"/>
+          <a:xfrm flipH="1">
+            <a:off x="6634498" y="4500247"/>
+            <a:ext cx="1537259" cy="0"/>
+          </a:xfrm>
+          <a:prstGeom prst="straightConnector1">
+            <a:avLst/>
+          </a:prstGeom>
+          <a:ln w="28575">
+            <a:headEnd type="none" w="med" len="med"/>
+            <a:tailEnd type="arrow" w="med" len="med"/>
+          </a:ln>
         </p:spPr>
         <p:style>
           <a:lnRef idx="1">
@@ -9037,10 +9067,10 @@
       </p:cxnSp>
       <p:sp>
         <p:nvSpPr>
-          <p:cNvPr id="61" name="TextBox 60">
-            <a:extLst>
-              <a:ext uri="{FF2B5EF4-FFF2-40B4-BE49-F238E27FC236}">
-                <a16:creationId xmlns:a16="http://schemas.microsoft.com/office/drawing/2014/main" id="{F7BFA0ED-AC76-4EBF-B7E8-FABB797C1ED6}"/>
+          <p:cNvPr id="69" name="TextBox 68">
+            <a:extLst>
+              <a:ext uri="{FF2B5EF4-FFF2-40B4-BE49-F238E27FC236}">
+                <a16:creationId xmlns:a16="http://schemas.microsoft.com/office/drawing/2014/main" id="{4A9A3DAC-F721-4BEF-AF7F-6E0822FAE14C}"/>
               </a:ext>
             </a:extLst>
           </p:cNvPr>
@@ -9049,8 +9079,8 @@
         </p:nvSpPr>
         <p:spPr>
           <a:xfrm>
-            <a:off x="2957802" y="2910434"/>
-            <a:ext cx="749563" cy="369332"/>
+            <a:off x="6664475" y="4123808"/>
+            <a:ext cx="1533785" cy="369332"/>
           </a:xfrm>
           <a:prstGeom prst="rect">
             <a:avLst/>
@@ -9065,61 +9095,19 @@
           <a:p>
             <a:pPr algn="ctr"/>
             <a:r>
-              <a:rPr lang="en-US" dirty="0"/>
-              <a:t>c+d-1</a:t>
-            </a:r>
-          </a:p>
-        </p:txBody>
-      </p:sp>
-      <p:cxnSp>
-        <p:nvCxnSpPr>
-          <p:cNvPr id="62" name="Straight Arrow Connector 61">
-            <a:extLst>
-              <a:ext uri="{FF2B5EF4-FFF2-40B4-BE49-F238E27FC236}">
-                <a16:creationId xmlns:a16="http://schemas.microsoft.com/office/drawing/2014/main" id="{DC84102F-38E0-4475-9DC5-C118948D6F64}"/>
-              </a:ext>
-            </a:extLst>
-          </p:cNvPr>
-          <p:cNvCxnSpPr>
-            <a:cxnSpLocks/>
-            <a:endCxn id="5" idx="1"/>
-          </p:cNvCxnSpPr>
-          <p:nvPr/>
-        </p:nvCxnSpPr>
-        <p:spPr>
-          <a:xfrm flipV="1">
-            <a:off x="2684109" y="3705647"/>
-            <a:ext cx="1508448" cy="5398"/>
-          </a:xfrm>
-          <a:prstGeom prst="straightConnector1">
-            <a:avLst/>
-          </a:prstGeom>
-          <a:ln w="28575">
-            <a:headEnd type="none" w="med" len="med"/>
-            <a:tailEnd type="arrow" w="med" len="med"/>
-          </a:ln>
-        </p:spPr>
-        <p:style>
-          <a:lnRef idx="1">
-            <a:schemeClr val="accent1"/>
-          </a:lnRef>
-          <a:fillRef idx="0">
-            <a:schemeClr val="accent1"/>
-          </a:fillRef>
-          <a:effectRef idx="0">
-            <a:schemeClr val="accent1"/>
-          </a:effectRef>
-          <a:fontRef idx="minor">
-            <a:schemeClr val="tx1"/>
-          </a:fontRef>
-        </p:style>
-      </p:cxnSp>
-      <p:sp>
-        <p:nvSpPr>
-          <p:cNvPr id="63" name="TextBox 62">
-            <a:extLst>
-              <a:ext uri="{FF2B5EF4-FFF2-40B4-BE49-F238E27FC236}">
-                <a16:creationId xmlns:a16="http://schemas.microsoft.com/office/drawing/2014/main" id="{0A8A3A27-2E44-411C-91C9-E6B007684F2B}"/>
+              <a:rPr lang="en-US" dirty="0" err="1"/>
+              <a:t>requestFrame</a:t>
+            </a:r>
+            <a:endParaRPr lang="en-US" dirty="0"/>
+          </a:p>
+        </p:txBody>
+      </p:sp>
+      <p:sp>
+        <p:nvSpPr>
+          <p:cNvPr id="74" name="TextBox 73">
+            <a:extLst>
+              <a:ext uri="{FF2B5EF4-FFF2-40B4-BE49-F238E27FC236}">
+                <a16:creationId xmlns:a16="http://schemas.microsoft.com/office/drawing/2014/main" id="{D8C9330D-C528-45EF-8823-E9EC40704E33}"/>
               </a:ext>
             </a:extLst>
           </p:cNvPr>
@@ -9128,7 +9116,7 @@
         </p:nvSpPr>
         <p:spPr>
           <a:xfrm>
-            <a:off x="2923948" y="3362653"/>
+            <a:off x="4452688" y="2556581"/>
             <a:ext cx="1261180" cy="369332"/>
           </a:xfrm>
           <a:prstGeom prst="rect">
@@ -9144,19 +9132,18 @@
           <a:p>
             <a:pPr algn="ctr"/>
             <a:r>
-              <a:rPr lang="en-US" dirty="0" err="1"/>
-              <a:t>dataValid</a:t>
-            </a:r>
-            <a:endParaRPr lang="en-US" dirty="0"/>
+              <a:rPr lang="en-US" dirty="0"/>
+              <a:t>frame</a:t>
+            </a:r>
           </a:p>
         </p:txBody>
       </p:sp>
       <p:cxnSp>
         <p:nvCxnSpPr>
-          <p:cNvPr id="64" name="Straight Arrow Connector 63">
-            <a:extLst>
-              <a:ext uri="{FF2B5EF4-FFF2-40B4-BE49-F238E27FC236}">
-                <a16:creationId xmlns:a16="http://schemas.microsoft.com/office/drawing/2014/main" id="{2ACF711E-251F-4D83-81F2-36A2990B7114}"/>
+          <p:cNvPr id="75" name="Straight Arrow Connector 74">
+            <a:extLst>
+              <a:ext uri="{FF2B5EF4-FFF2-40B4-BE49-F238E27FC236}">
+                <a16:creationId xmlns:a16="http://schemas.microsoft.com/office/drawing/2014/main" id="{7EE2FEBD-41EC-4F05-A168-A3CB9C772AD1}"/>
               </a:ext>
             </a:extLst>
           </p:cNvPr>
@@ -9166,281 +9153,8 @@
           <p:nvPr/>
         </p:nvCxnSpPr>
         <p:spPr>
-          <a:xfrm flipH="1">
-            <a:off x="2696546" y="4480068"/>
-            <a:ext cx="1537259" cy="0"/>
-          </a:xfrm>
-          <a:prstGeom prst="straightConnector1">
-            <a:avLst/>
-          </a:prstGeom>
-          <a:ln w="28575">
-            <a:headEnd type="none" w="med" len="med"/>
-            <a:tailEnd type="arrow" w="med" len="med"/>
-          </a:ln>
-        </p:spPr>
-        <p:style>
-          <a:lnRef idx="1">
-            <a:schemeClr val="accent1"/>
-          </a:lnRef>
-          <a:fillRef idx="0">
-            <a:schemeClr val="accent1"/>
-          </a:fillRef>
-          <a:effectRef idx="0">
-            <a:schemeClr val="accent1"/>
-          </a:effectRef>
-          <a:fontRef idx="minor">
-            <a:schemeClr val="tx1"/>
-          </a:fontRef>
-        </p:style>
-      </p:cxnSp>
-      <p:sp>
-        <p:nvSpPr>
-          <p:cNvPr id="65" name="TextBox 64">
-            <a:extLst>
-              <a:ext uri="{FF2B5EF4-FFF2-40B4-BE49-F238E27FC236}">
-                <a16:creationId xmlns:a16="http://schemas.microsoft.com/office/drawing/2014/main" id="{71DFD439-71C6-4490-8570-83EA1CA1C3D3}"/>
-              </a:ext>
-            </a:extLst>
-          </p:cNvPr>
-          <p:cNvSpPr txBox="1"/>
-          <p:nvPr/>
-        </p:nvSpPr>
-        <p:spPr>
-          <a:xfrm>
-            <a:off x="2769986" y="4099842"/>
-            <a:ext cx="1346714" cy="369332"/>
-          </a:xfrm>
-          <a:prstGeom prst="rect">
-            <a:avLst/>
-          </a:prstGeom>
-          <a:noFill/>
-        </p:spPr>
-        <p:txBody>
-          <a:bodyPr wrap="square" rtlCol="0">
-            <a:spAutoFit/>
-          </a:bodyPr>
-          <a:lstStyle/>
-          <a:p>
-            <a:pPr algn="ctr"/>
-            <a:r>
-              <a:rPr lang="en-US" dirty="0" err="1"/>
-              <a:t>requestData</a:t>
-            </a:r>
-            <a:endParaRPr lang="en-US" dirty="0"/>
-          </a:p>
-        </p:txBody>
-      </p:sp>
-      <p:cxnSp>
-        <p:nvCxnSpPr>
-          <p:cNvPr id="66" name="Straight Arrow Connector 65">
-            <a:extLst>
-              <a:ext uri="{FF2B5EF4-FFF2-40B4-BE49-F238E27FC236}">
-                <a16:creationId xmlns:a16="http://schemas.microsoft.com/office/drawing/2014/main" id="{D3A03330-E976-4424-A6A9-389B2E46974A}"/>
-              </a:ext>
-            </a:extLst>
-          </p:cNvPr>
-          <p:cNvCxnSpPr>
-            <a:cxnSpLocks/>
-          </p:cNvCxnSpPr>
-          <p:nvPr/>
-        </p:nvCxnSpPr>
-        <p:spPr>
-          <a:xfrm flipH="1">
-            <a:off x="5436679" y="4478957"/>
-            <a:ext cx="1537259" cy="0"/>
-          </a:xfrm>
-          <a:prstGeom prst="straightConnector1">
-            <a:avLst/>
-          </a:prstGeom>
-          <a:ln w="28575">
-            <a:headEnd type="none" w="med" len="med"/>
-            <a:tailEnd type="arrow" w="med" len="med"/>
-          </a:ln>
-        </p:spPr>
-        <p:style>
-          <a:lnRef idx="1">
-            <a:schemeClr val="accent1"/>
-          </a:lnRef>
-          <a:fillRef idx="0">
-            <a:schemeClr val="accent1"/>
-          </a:fillRef>
-          <a:effectRef idx="0">
-            <a:schemeClr val="accent1"/>
-          </a:effectRef>
-          <a:fontRef idx="minor">
-            <a:schemeClr val="tx1"/>
-          </a:fontRef>
-        </p:style>
-      </p:cxnSp>
-      <p:sp>
-        <p:nvSpPr>
-          <p:cNvPr id="67" name="TextBox 66">
-            <a:extLst>
-              <a:ext uri="{FF2B5EF4-FFF2-40B4-BE49-F238E27FC236}">
-                <a16:creationId xmlns:a16="http://schemas.microsoft.com/office/drawing/2014/main" id="{C184362C-0826-4735-A2FF-058A8A5C4E99}"/>
-              </a:ext>
-            </a:extLst>
-          </p:cNvPr>
-          <p:cNvSpPr txBox="1"/>
-          <p:nvPr/>
-        </p:nvSpPr>
-        <p:spPr>
-          <a:xfrm>
-            <a:off x="5360822" y="4098731"/>
-            <a:ext cx="1552688" cy="369332"/>
-          </a:xfrm>
-          <a:prstGeom prst="rect">
-            <a:avLst/>
-          </a:prstGeom>
-          <a:noFill/>
-        </p:spPr>
-        <p:txBody>
-          <a:bodyPr wrap="square" rtlCol="0">
-            <a:spAutoFit/>
-          </a:bodyPr>
-          <a:lstStyle/>
-          <a:p>
-            <a:pPr algn="ctr"/>
-            <a:r>
-              <a:rPr lang="en-US" dirty="0" err="1"/>
-              <a:t>requestFrame</a:t>
-            </a:r>
-            <a:endParaRPr lang="en-US" dirty="0"/>
-          </a:p>
-        </p:txBody>
-      </p:sp>
-      <p:cxnSp>
-        <p:nvCxnSpPr>
-          <p:cNvPr id="68" name="Straight Arrow Connector 67">
-            <a:extLst>
-              <a:ext uri="{FF2B5EF4-FFF2-40B4-BE49-F238E27FC236}">
-                <a16:creationId xmlns:a16="http://schemas.microsoft.com/office/drawing/2014/main" id="{68EDAD10-1CCB-4228-AD41-E8DE2BBE2CF2}"/>
-              </a:ext>
-            </a:extLst>
-          </p:cNvPr>
-          <p:cNvCxnSpPr>
-            <a:cxnSpLocks/>
-          </p:cNvCxnSpPr>
-          <p:nvPr/>
-        </p:nvCxnSpPr>
-        <p:spPr>
-          <a:xfrm flipH="1">
-            <a:off x="8181430" y="4475170"/>
-            <a:ext cx="1537259" cy="0"/>
-          </a:xfrm>
-          <a:prstGeom prst="straightConnector1">
-            <a:avLst/>
-          </a:prstGeom>
-          <a:ln w="28575">
-            <a:headEnd type="none" w="med" len="med"/>
-            <a:tailEnd type="arrow" w="med" len="med"/>
-          </a:ln>
-        </p:spPr>
-        <p:style>
-          <a:lnRef idx="1">
-            <a:schemeClr val="accent1"/>
-          </a:lnRef>
-          <a:fillRef idx="0">
-            <a:schemeClr val="accent1"/>
-          </a:fillRef>
-          <a:effectRef idx="0">
-            <a:schemeClr val="accent1"/>
-          </a:effectRef>
-          <a:fontRef idx="minor">
-            <a:schemeClr val="tx1"/>
-          </a:fontRef>
-        </p:style>
-      </p:cxnSp>
-      <p:sp>
-        <p:nvSpPr>
-          <p:cNvPr id="69" name="TextBox 68">
-            <a:extLst>
-              <a:ext uri="{FF2B5EF4-FFF2-40B4-BE49-F238E27FC236}">
-                <a16:creationId xmlns:a16="http://schemas.microsoft.com/office/drawing/2014/main" id="{4A9A3DAC-F721-4BEF-AF7F-6E0822FAE14C}"/>
-              </a:ext>
-            </a:extLst>
-          </p:cNvPr>
-          <p:cNvSpPr txBox="1"/>
-          <p:nvPr/>
-        </p:nvSpPr>
-        <p:spPr>
-          <a:xfrm>
-            <a:off x="8211407" y="4098731"/>
-            <a:ext cx="1533785" cy="369332"/>
-          </a:xfrm>
-          <a:prstGeom prst="rect">
-            <a:avLst/>
-          </a:prstGeom>
-          <a:noFill/>
-        </p:spPr>
-        <p:txBody>
-          <a:bodyPr wrap="square" rtlCol="0">
-            <a:spAutoFit/>
-          </a:bodyPr>
-          <a:lstStyle/>
-          <a:p>
-            <a:pPr algn="ctr"/>
-            <a:r>
-              <a:rPr lang="en-US" dirty="0" err="1"/>
-              <a:t>requestFrame</a:t>
-            </a:r>
-            <a:endParaRPr lang="en-US" dirty="0"/>
-          </a:p>
-        </p:txBody>
-      </p:sp>
-      <p:sp>
-        <p:nvSpPr>
-          <p:cNvPr id="74" name="TextBox 73">
-            <a:extLst>
-              <a:ext uri="{FF2B5EF4-FFF2-40B4-BE49-F238E27FC236}">
-                <a16:creationId xmlns:a16="http://schemas.microsoft.com/office/drawing/2014/main" id="{D8C9330D-C528-45EF-8823-E9EC40704E33}"/>
-              </a:ext>
-            </a:extLst>
-          </p:cNvPr>
-          <p:cNvSpPr txBox="1"/>
-          <p:nvPr/>
-        </p:nvSpPr>
-        <p:spPr>
-          <a:xfrm>
-            <a:off x="5988700" y="2511726"/>
-            <a:ext cx="1261180" cy="369332"/>
-          </a:xfrm>
-          <a:prstGeom prst="rect">
-            <a:avLst/>
-          </a:prstGeom>
-          <a:noFill/>
-        </p:spPr>
-        <p:txBody>
-          <a:bodyPr wrap="square" rtlCol="0">
-            <a:spAutoFit/>
-          </a:bodyPr>
-          <a:lstStyle/>
-          <a:p>
-            <a:pPr algn="ctr"/>
-            <a:r>
-              <a:rPr lang="en-US" dirty="0"/>
-              <a:t>frame</a:t>
-            </a:r>
-          </a:p>
-        </p:txBody>
-      </p:sp>
-      <p:cxnSp>
-        <p:nvCxnSpPr>
-          <p:cNvPr id="75" name="Straight Arrow Connector 74">
-            <a:extLst>
-              <a:ext uri="{FF2B5EF4-FFF2-40B4-BE49-F238E27FC236}">
-                <a16:creationId xmlns:a16="http://schemas.microsoft.com/office/drawing/2014/main" id="{7EE2FEBD-41EC-4F05-A168-A3CB9C772AD1}"/>
-              </a:ext>
-            </a:extLst>
-          </p:cNvPr>
-          <p:cNvCxnSpPr>
-            <a:cxnSpLocks/>
-          </p:cNvCxnSpPr>
-          <p:nvPr/>
-        </p:nvCxnSpPr>
-        <p:spPr>
-          <a:xfrm>
-            <a:off x="5447527" y="2909900"/>
+          <a:xfrm>
+            <a:off x="3911515" y="2954755"/>
             <a:ext cx="1496011" cy="2671"/>
           </a:xfrm>
           <a:prstGeom prst="straightConnector1">
@@ -9482,7 +9196,7 @@
         </p:nvCxnSpPr>
         <p:spPr>
           <a:xfrm>
-            <a:off x="6176875" y="2722563"/>
+            <a:off x="4640863" y="2767418"/>
             <a:ext cx="227045" cy="324625"/>
           </a:xfrm>
           <a:prstGeom prst="line">
@@ -9519,7 +9233,7 @@
         </p:nvSpPr>
         <p:spPr>
           <a:xfrm>
-            <a:off x="5708783" y="2901147"/>
+            <a:off x="4172771" y="2946002"/>
             <a:ext cx="749563" cy="369332"/>
           </a:xfrm>
           <a:prstGeom prst="rect">
@@ -9557,7 +9271,7 @@
         </p:nvCxnSpPr>
         <p:spPr>
           <a:xfrm flipV="1">
-            <a:off x="5428860" y="3696298"/>
+            <a:off x="3892848" y="3741153"/>
             <a:ext cx="1508448" cy="5398"/>
           </a:xfrm>
           <a:prstGeom prst="straightConnector1">
@@ -9597,7 +9311,7 @@
         </p:nvSpPr>
         <p:spPr>
           <a:xfrm>
-            <a:off x="5668699" y="3353304"/>
+            <a:off x="4132687" y="3398159"/>
             <a:ext cx="1261180" cy="369332"/>
           </a:xfrm>
           <a:prstGeom prst="rect">
@@ -9636,7 +9350,7 @@
         </p:nvCxnSpPr>
         <p:spPr>
           <a:xfrm>
-            <a:off x="4381633" y="1206674"/>
+            <a:off x="3306662" y="1206674"/>
             <a:ext cx="0" cy="1032884"/>
           </a:xfrm>
           <a:prstGeom prst="straightConnector1">
@@ -9676,7 +9390,7 @@
         </p:nvSpPr>
         <p:spPr>
           <a:xfrm>
-            <a:off x="3652939" y="904066"/>
+            <a:off x="2780565" y="633378"/>
             <a:ext cx="1147669" cy="369332"/>
           </a:xfrm>
           <a:prstGeom prst="rect">
@@ -9715,7 +9429,7 @@
         </p:nvCxnSpPr>
         <p:spPr>
           <a:xfrm>
-            <a:off x="4259479" y="1503678"/>
+            <a:off x="3184508" y="1503678"/>
             <a:ext cx="227045" cy="324625"/>
           </a:xfrm>
           <a:prstGeom prst="line">
@@ -9752,7 +9466,7 @@
         </p:nvSpPr>
         <p:spPr>
           <a:xfrm>
-            <a:off x="4233805" y="1403878"/>
+            <a:off x="3158834" y="1403878"/>
             <a:ext cx="575853" cy="369332"/>
           </a:xfrm>
           <a:prstGeom prst="rect">
@@ -9790,7 +9504,7 @@
         </p:nvCxnSpPr>
         <p:spPr>
           <a:xfrm>
-            <a:off x="5261693" y="1206674"/>
+            <a:off x="3684711" y="1212130"/>
             <a:ext cx="0" cy="1032884"/>
           </a:xfrm>
           <a:prstGeom prst="straightConnector1">
@@ -9830,7 +9544,7 @@
         </p:nvSpPr>
         <p:spPr>
           <a:xfrm>
-            <a:off x="4920906" y="884466"/>
+            <a:off x="3573720" y="889867"/>
             <a:ext cx="1348614" cy="369332"/>
           </a:xfrm>
           <a:prstGeom prst="rect">
@@ -9869,7 +9583,7 @@
         </p:nvCxnSpPr>
         <p:spPr>
           <a:xfrm>
-            <a:off x="5139539" y="1503678"/>
+            <a:off x="3562557" y="1509134"/>
             <a:ext cx="227045" cy="324625"/>
           </a:xfrm>
           <a:prstGeom prst="line">
@@ -9906,7 +9620,7 @@
         </p:nvSpPr>
         <p:spPr>
           <a:xfrm>
-            <a:off x="5113865" y="1403878"/>
+            <a:off x="3536883" y="1409334"/>
             <a:ext cx="575853" cy="369332"/>
           </a:xfrm>
           <a:prstGeom prst="rect">
@@ -9942,7 +9656,7 @@
         </p:nvSpPr>
         <p:spPr>
           <a:xfrm>
-            <a:off x="8742079" y="2497535"/>
+            <a:off x="7195147" y="2522612"/>
             <a:ext cx="1261180" cy="369332"/>
           </a:xfrm>
           <a:prstGeom prst="rect">
@@ -9980,7 +9694,7 @@
         </p:nvCxnSpPr>
         <p:spPr>
           <a:xfrm>
-            <a:off x="8200906" y="2895709"/>
+            <a:off x="6653974" y="2920786"/>
             <a:ext cx="1496011" cy="2671"/>
           </a:xfrm>
           <a:prstGeom prst="straightConnector1">
@@ -10022,7 +9736,7 @@
         </p:nvCxnSpPr>
         <p:spPr>
           <a:xfrm>
-            <a:off x="8930254" y="2708372"/>
+            <a:off x="7383322" y="2733449"/>
             <a:ext cx="227045" cy="324625"/>
           </a:xfrm>
           <a:prstGeom prst="line">
@@ -10059,7 +9773,7 @@
         </p:nvSpPr>
         <p:spPr>
           <a:xfrm>
-            <a:off x="8462162" y="2886956"/>
+            <a:off x="6915230" y="2912033"/>
             <a:ext cx="749563" cy="369332"/>
           </a:xfrm>
           <a:prstGeom prst="rect">
@@ -10097,7 +9811,7 @@
         </p:nvCxnSpPr>
         <p:spPr>
           <a:xfrm flipV="1">
-            <a:off x="8195898" y="3696298"/>
+            <a:off x="6648966" y="3721375"/>
             <a:ext cx="1508448" cy="5398"/>
           </a:xfrm>
           <a:prstGeom prst="straightConnector1">
@@ -10137,7 +9851,7 @@
         </p:nvSpPr>
         <p:spPr>
           <a:xfrm>
-            <a:off x="8435737" y="3353304"/>
+            <a:off x="6888805" y="3378381"/>
             <a:ext cx="1261180" cy="369332"/>
           </a:xfrm>
           <a:prstGeom prst="rect">
@@ -10176,8 +9890,8 @@
         </p:nvCxnSpPr>
         <p:spPr>
           <a:xfrm>
-            <a:off x="10297408" y="1216009"/>
-            <a:ext cx="0" cy="1032884"/>
+            <a:off x="7178084" y="1346113"/>
+            <a:ext cx="0" cy="507107"/>
           </a:xfrm>
           <a:prstGeom prst="straightConnector1">
             <a:avLst/>
@@ -10216,7 +9930,7 @@
         </p:nvSpPr>
         <p:spPr>
           <a:xfrm>
-            <a:off x="9753822" y="858101"/>
+            <a:off x="6634498" y="988205"/>
             <a:ext cx="1147669" cy="369332"/>
           </a:xfrm>
           <a:prstGeom prst="rect">
@@ -10233,7 +9947,7 @@
             <a:pPr algn="ctr"/>
             <a:r>
               <a:rPr lang="en-US" dirty="0" err="1"/>
-              <a:t>sendEn</a:t>
+              <a:t>txEn</a:t>
             </a:r>
             <a:endParaRPr lang="en-US" dirty="0"/>
           </a:p>
@@ -10440,7 +10154,7 @@
         </p:nvSpPr>
         <p:spPr>
           <a:xfrm>
-            <a:off x="11436073" y="3479379"/>
+            <a:off x="10138685" y="3498681"/>
             <a:ext cx="444225" cy="452535"/>
           </a:xfrm>
           <a:prstGeom prst="rect">
@@ -10511,8 +10225,8 @@
         </p:blipFill>
         <p:spPr>
           <a:xfrm rot="5400000">
-            <a:off x="11706724" y="3388188"/>
-            <a:ext cx="675352" cy="675352"/>
+            <a:off x="10506876" y="3336302"/>
+            <a:ext cx="789230" cy="789230"/>
           </a:xfrm>
           <a:prstGeom prst="rect">
             <a:avLst/>

--- a/OOKTRx_slides.pptx
+++ b/OOKTRx_slides.pptx
@@ -263,7 +263,7 @@
           <a:p>
             <a:fld id="{5E16051A-C47B-44A4-BA5C-F905A8DCECB5}" type="datetimeFigureOut">
               <a:rPr lang="en-US" smtClean="0"/>
-              <a:t>7/10/2018</a:t>
+              <a:t>8/7/2018</a:t>
             </a:fld>
             <a:endParaRPr lang="en-US"/>
           </a:p>
@@ -461,7 +461,7 @@
           <a:p>
             <a:fld id="{5E16051A-C47B-44A4-BA5C-F905A8DCECB5}" type="datetimeFigureOut">
               <a:rPr lang="en-US" smtClean="0"/>
-              <a:t>7/10/2018</a:t>
+              <a:t>8/7/2018</a:t>
             </a:fld>
             <a:endParaRPr lang="en-US"/>
           </a:p>
@@ -669,7 +669,7 @@
           <a:p>
             <a:fld id="{5E16051A-C47B-44A4-BA5C-F905A8DCECB5}" type="datetimeFigureOut">
               <a:rPr lang="en-US" smtClean="0"/>
-              <a:t>7/10/2018</a:t>
+              <a:t>8/7/2018</a:t>
             </a:fld>
             <a:endParaRPr lang="en-US"/>
           </a:p>
@@ -867,7 +867,7 @@
           <a:p>
             <a:fld id="{5E16051A-C47B-44A4-BA5C-F905A8DCECB5}" type="datetimeFigureOut">
               <a:rPr lang="en-US" smtClean="0"/>
-              <a:t>7/10/2018</a:t>
+              <a:t>8/7/2018</a:t>
             </a:fld>
             <a:endParaRPr lang="en-US"/>
           </a:p>
@@ -1142,7 +1142,7 @@
           <a:p>
             <a:fld id="{5E16051A-C47B-44A4-BA5C-F905A8DCECB5}" type="datetimeFigureOut">
               <a:rPr lang="en-US" smtClean="0"/>
-              <a:t>7/10/2018</a:t>
+              <a:t>8/7/2018</a:t>
             </a:fld>
             <a:endParaRPr lang="en-US"/>
           </a:p>
@@ -1407,7 +1407,7 @@
           <a:p>
             <a:fld id="{5E16051A-C47B-44A4-BA5C-F905A8DCECB5}" type="datetimeFigureOut">
               <a:rPr lang="en-US" smtClean="0"/>
-              <a:t>7/10/2018</a:t>
+              <a:t>8/7/2018</a:t>
             </a:fld>
             <a:endParaRPr lang="en-US"/>
           </a:p>
@@ -1819,7 +1819,7 @@
           <a:p>
             <a:fld id="{5E16051A-C47B-44A4-BA5C-F905A8DCECB5}" type="datetimeFigureOut">
               <a:rPr lang="en-US" smtClean="0"/>
-              <a:t>7/10/2018</a:t>
+              <a:t>8/7/2018</a:t>
             </a:fld>
             <a:endParaRPr lang="en-US"/>
           </a:p>
@@ -1960,7 +1960,7 @@
           <a:p>
             <a:fld id="{5E16051A-C47B-44A4-BA5C-F905A8DCECB5}" type="datetimeFigureOut">
               <a:rPr lang="en-US" smtClean="0"/>
-              <a:t>7/10/2018</a:t>
+              <a:t>8/7/2018</a:t>
             </a:fld>
             <a:endParaRPr lang="en-US"/>
           </a:p>
@@ -2073,7 +2073,7 @@
           <a:p>
             <a:fld id="{5E16051A-C47B-44A4-BA5C-F905A8DCECB5}" type="datetimeFigureOut">
               <a:rPr lang="en-US" smtClean="0"/>
-              <a:t>7/10/2018</a:t>
+              <a:t>8/7/2018</a:t>
             </a:fld>
             <a:endParaRPr lang="en-US"/>
           </a:p>
@@ -2384,7 +2384,7 @@
           <a:p>
             <a:fld id="{5E16051A-C47B-44A4-BA5C-F905A8DCECB5}" type="datetimeFigureOut">
               <a:rPr lang="en-US" smtClean="0"/>
-              <a:t>7/10/2018</a:t>
+              <a:t>8/7/2018</a:t>
             </a:fld>
             <a:endParaRPr lang="en-US"/>
           </a:p>
@@ -2672,7 +2672,7 @@
           <a:p>
             <a:fld id="{5E16051A-C47B-44A4-BA5C-F905A8DCECB5}" type="datetimeFigureOut">
               <a:rPr lang="en-US" smtClean="0"/>
-              <a:t>7/10/2018</a:t>
+              <a:t>8/7/2018</a:t>
             </a:fld>
             <a:endParaRPr lang="en-US"/>
           </a:p>
@@ -2913,7 +2913,7 @@
           <a:p>
             <a:fld id="{5E16051A-C47B-44A4-BA5C-F905A8DCECB5}" type="datetimeFigureOut">
               <a:rPr lang="en-US" smtClean="0"/>
-              <a:t>7/10/2018</a:t>
+              <a:t>8/7/2018</a:t>
             </a:fld>
             <a:endParaRPr lang="en-US"/>
           </a:p>
@@ -10028,7 +10028,7 @@
         <p:spPr>
           <a:xfrm>
             <a:off x="3802581" y="5551679"/>
-            <a:ext cx="4561966" cy="1200329"/>
+            <a:ext cx="4561966" cy="923330"/>
           </a:xfrm>
           <a:prstGeom prst="rect">
             <a:avLst/>
@@ -10073,8 +10073,12 @@
               <a:buChar char="•"/>
             </a:pPr>
             <a:r>
+              <a:rPr lang="en-US"/>
+              <a:t>Frame </a:t>
+            </a:r>
+            <a:r>
               <a:rPr lang="en-US" dirty="0"/>
-              <a:t>Frame Prepare: </a:t>
+              <a:t>Stack: </a:t>
             </a:r>
             <a:r>
               <a:rPr lang="en-US" dirty="0">
@@ -10082,6 +10086,16 @@
               </a:rPr>
               <a:t>chisel code</a:t>
             </a:r>
+            <a:r>
+              <a:rPr lang="en-US" dirty="0"/>
+              <a:t> and </a:t>
+            </a:r>
+            <a:r>
+              <a:rPr lang="en-US" dirty="0">
+                <a:hlinkClick r:id="rId7"/>
+              </a:rPr>
+              <a:t>tester</a:t>
+            </a:r>
             <a:endParaRPr lang="en-US" dirty="0"/>
           </a:p>
           <a:p>
@@ -10091,48 +10105,21 @@
             </a:pPr>
             <a:r>
               <a:rPr lang="en-US" dirty="0"/>
-              <a:t>Frame Stack: </a:t>
-            </a:r>
-            <a:r>
-              <a:rPr lang="en-US" dirty="0">
-                <a:hlinkClick r:id="rId7"/>
-              </a:rPr>
-              <a:t>chisel code</a:t>
-            </a:r>
-            <a:r>
-              <a:rPr lang="en-US" dirty="0"/>
-              <a:t> and </a:t>
+              <a:t>Frame Send: </a:t>
             </a:r>
             <a:r>
               <a:rPr lang="en-US" dirty="0">
                 <a:hlinkClick r:id="rId8"/>
               </a:rPr>
-              <a:t>tester</a:t>
-            </a:r>
-            <a:endParaRPr lang="en-US" dirty="0"/>
-          </a:p>
-          <a:p>
-            <a:pPr marL="285750" indent="-285750">
-              <a:buFont typeface="Arial" panose="020B0604020202020204" pitchFamily="34" charset="0"/>
-              <a:buChar char="•"/>
-            </a:pPr>
+              <a:t>chisel code </a:t>
+            </a:r>
             <a:r>
               <a:rPr lang="en-US" dirty="0"/>
-              <a:t>Frame Send: </a:t>
+              <a:t>and </a:t>
             </a:r>
             <a:r>
               <a:rPr lang="en-US" dirty="0">
                 <a:hlinkClick r:id="rId9"/>
-              </a:rPr>
-              <a:t>chisel code </a:t>
-            </a:r>
-            <a:r>
-              <a:rPr lang="en-US" dirty="0"/>
-              <a:t>and </a:t>
-            </a:r>
-            <a:r>
-              <a:rPr lang="en-US" dirty="0">
-                <a:hlinkClick r:id="rId10"/>
               </a:rPr>
               <a:t>tester</a:t>
             </a:r>
@@ -10209,13 +10196,13 @@
           <p:nvPr/>
         </p:nvPicPr>
         <p:blipFill>
-          <a:blip r:embed="rId11">
+          <a:blip r:embed="rId10">
             <a:extLst>
               <a:ext uri="{28A0092B-C50C-407E-A947-70E740481C1C}">
                 <a14:useLocalDpi xmlns:a14="http://schemas.microsoft.com/office/drawing/2010/main" val="0"/>
               </a:ext>
               <a:ext uri="{96DAC541-7B7A-43D3-8B79-37D633B846F1}">
-                <asvg:svgBlip xmlns:asvg="http://schemas.microsoft.com/office/drawing/2016/SVG/main" r:embed="rId12"/>
+                <asvg:svgBlip xmlns:asvg="http://schemas.microsoft.com/office/drawing/2016/SVG/main" r:embed="rId11"/>
               </a:ext>
             </a:extLst>
           </a:blip>
